--- a/deck/Knockout.pptx
+++ b/deck/Knockout.pptx
@@ -7,6 +7,8 @@
   <p:sldIdLst>
     <p:sldId id="256" r:id="rId2"/>
     <p:sldId id="257" r:id="rId3"/>
+    <p:sldId id="258" r:id="rId4"/>
+    <p:sldId id="259" r:id="rId5"/>
   </p:sldIdLst>
   <p:sldSz cx="9144000" cy="6858000" type="screen4x3"/>
   <p:notesSz cx="6858000" cy="9144000"/>
@@ -106,6 +108,3068 @@
     </a:lvl9pPr>
   </p:defaultTextStyle>
 </p:presentation>
+</file>
+
+<file path=ppt/diagrams/colors1.xml><?xml version="1.0" encoding="utf-8"?>
+<dgm:colorsDef xmlns:dgm="http://schemas.openxmlformats.org/drawingml/2006/diagram" xmlns:a="http://schemas.openxmlformats.org/drawingml/2006/main" uniqueId="urn:microsoft.com/office/officeart/2005/8/colors/accent1_2">
+  <dgm:title val=""/>
+  <dgm:desc val=""/>
+  <dgm:catLst>
+    <dgm:cat type="accent1" pri="11200"/>
+  </dgm:catLst>
+  <dgm:styleLbl name="node0">
+    <dgm:fillClrLst meth="repeat">
+      <a:schemeClr val="accent1"/>
+    </dgm:fillClrLst>
+    <dgm:linClrLst meth="repeat">
+      <a:schemeClr val="lt1"/>
+    </dgm:linClrLst>
+    <dgm:effectClrLst/>
+    <dgm:txLinClrLst/>
+    <dgm:txFillClrLst/>
+    <dgm:txEffectClrLst/>
+  </dgm:styleLbl>
+  <dgm:styleLbl name="alignNode1">
+    <dgm:fillClrLst meth="repeat">
+      <a:schemeClr val="accent1"/>
+    </dgm:fillClrLst>
+    <dgm:linClrLst meth="repeat">
+      <a:schemeClr val="accent1"/>
+    </dgm:linClrLst>
+    <dgm:effectClrLst/>
+    <dgm:txLinClrLst/>
+    <dgm:txFillClrLst/>
+    <dgm:txEffectClrLst/>
+  </dgm:styleLbl>
+  <dgm:styleLbl name="node1">
+    <dgm:fillClrLst meth="repeat">
+      <a:schemeClr val="accent1"/>
+    </dgm:fillClrLst>
+    <dgm:linClrLst meth="repeat">
+      <a:schemeClr val="lt1"/>
+    </dgm:linClrLst>
+    <dgm:effectClrLst/>
+    <dgm:txLinClrLst/>
+    <dgm:txFillClrLst/>
+    <dgm:txEffectClrLst/>
+  </dgm:styleLbl>
+  <dgm:styleLbl name="lnNode1">
+    <dgm:fillClrLst meth="repeat">
+      <a:schemeClr val="accent1"/>
+    </dgm:fillClrLst>
+    <dgm:linClrLst meth="repeat">
+      <a:schemeClr val="lt1"/>
+    </dgm:linClrLst>
+    <dgm:effectClrLst/>
+    <dgm:txLinClrLst/>
+    <dgm:txFillClrLst/>
+    <dgm:txEffectClrLst/>
+  </dgm:styleLbl>
+  <dgm:styleLbl name="vennNode1">
+    <dgm:fillClrLst meth="repeat">
+      <a:schemeClr val="accent1">
+        <a:alpha val="50000"/>
+      </a:schemeClr>
+    </dgm:fillClrLst>
+    <dgm:linClrLst meth="repeat">
+      <a:schemeClr val="lt1"/>
+    </dgm:linClrLst>
+    <dgm:effectClrLst/>
+    <dgm:txLinClrLst/>
+    <dgm:txFillClrLst/>
+    <dgm:txEffectClrLst/>
+  </dgm:styleLbl>
+  <dgm:styleLbl name="node2">
+    <dgm:fillClrLst meth="repeat">
+      <a:schemeClr val="accent1"/>
+    </dgm:fillClrLst>
+    <dgm:linClrLst meth="repeat">
+      <a:schemeClr val="lt1"/>
+    </dgm:linClrLst>
+    <dgm:effectClrLst/>
+    <dgm:txLinClrLst/>
+    <dgm:txFillClrLst/>
+    <dgm:txEffectClrLst/>
+  </dgm:styleLbl>
+  <dgm:styleLbl name="node3">
+    <dgm:fillClrLst meth="repeat">
+      <a:schemeClr val="accent1"/>
+    </dgm:fillClrLst>
+    <dgm:linClrLst meth="repeat">
+      <a:schemeClr val="lt1"/>
+    </dgm:linClrLst>
+    <dgm:effectClrLst/>
+    <dgm:txLinClrLst/>
+    <dgm:txFillClrLst/>
+    <dgm:txEffectClrLst/>
+  </dgm:styleLbl>
+  <dgm:styleLbl name="node4">
+    <dgm:fillClrLst meth="repeat">
+      <a:schemeClr val="accent1"/>
+    </dgm:fillClrLst>
+    <dgm:linClrLst meth="repeat">
+      <a:schemeClr val="lt1"/>
+    </dgm:linClrLst>
+    <dgm:effectClrLst/>
+    <dgm:txLinClrLst/>
+    <dgm:txFillClrLst/>
+    <dgm:txEffectClrLst/>
+  </dgm:styleLbl>
+  <dgm:styleLbl name="fgImgPlace1">
+    <dgm:fillClrLst meth="repeat">
+      <a:schemeClr val="accent1">
+        <a:tint val="50000"/>
+      </a:schemeClr>
+    </dgm:fillClrLst>
+    <dgm:linClrLst meth="repeat">
+      <a:schemeClr val="lt1"/>
+    </dgm:linClrLst>
+    <dgm:effectClrLst/>
+    <dgm:txLinClrLst/>
+    <dgm:txFillClrLst meth="repeat">
+      <a:schemeClr val="lt1"/>
+    </dgm:txFillClrLst>
+    <dgm:txEffectClrLst/>
+  </dgm:styleLbl>
+  <dgm:styleLbl name="alignImgPlace1">
+    <dgm:fillClrLst meth="repeat">
+      <a:schemeClr val="accent1">
+        <a:tint val="50000"/>
+      </a:schemeClr>
+    </dgm:fillClrLst>
+    <dgm:linClrLst meth="repeat">
+      <a:schemeClr val="lt1"/>
+    </dgm:linClrLst>
+    <dgm:effectClrLst/>
+    <dgm:txLinClrLst/>
+    <dgm:txFillClrLst meth="repeat">
+      <a:schemeClr val="lt1"/>
+    </dgm:txFillClrLst>
+    <dgm:txEffectClrLst/>
+  </dgm:styleLbl>
+  <dgm:styleLbl name="bgImgPlace1">
+    <dgm:fillClrLst meth="repeat">
+      <a:schemeClr val="accent1">
+        <a:tint val="50000"/>
+      </a:schemeClr>
+    </dgm:fillClrLst>
+    <dgm:linClrLst meth="repeat">
+      <a:schemeClr val="lt1"/>
+    </dgm:linClrLst>
+    <dgm:effectClrLst/>
+    <dgm:txLinClrLst/>
+    <dgm:txFillClrLst meth="repeat">
+      <a:schemeClr val="lt1"/>
+    </dgm:txFillClrLst>
+    <dgm:txEffectClrLst/>
+  </dgm:styleLbl>
+  <dgm:styleLbl name="sibTrans2D1">
+    <dgm:fillClrLst meth="repeat">
+      <a:schemeClr val="accent1">
+        <a:tint val="60000"/>
+      </a:schemeClr>
+    </dgm:fillClrLst>
+    <dgm:linClrLst meth="repeat">
+      <a:schemeClr val="accent1">
+        <a:tint val="60000"/>
+      </a:schemeClr>
+    </dgm:linClrLst>
+    <dgm:effectClrLst/>
+    <dgm:txLinClrLst/>
+    <dgm:txFillClrLst/>
+    <dgm:txEffectClrLst/>
+  </dgm:styleLbl>
+  <dgm:styleLbl name="fgSibTrans2D1">
+    <dgm:fillClrLst meth="repeat">
+      <a:schemeClr val="accent1">
+        <a:tint val="60000"/>
+      </a:schemeClr>
+    </dgm:fillClrLst>
+    <dgm:linClrLst meth="repeat">
+      <a:schemeClr val="accent1">
+        <a:tint val="60000"/>
+      </a:schemeClr>
+    </dgm:linClrLst>
+    <dgm:effectClrLst/>
+    <dgm:txLinClrLst/>
+    <dgm:txFillClrLst/>
+    <dgm:txEffectClrLst/>
+  </dgm:styleLbl>
+  <dgm:styleLbl name="bgSibTrans2D1">
+    <dgm:fillClrLst meth="repeat">
+      <a:schemeClr val="accent1">
+        <a:tint val="60000"/>
+      </a:schemeClr>
+    </dgm:fillClrLst>
+    <dgm:linClrLst meth="repeat">
+      <a:schemeClr val="accent1">
+        <a:tint val="60000"/>
+      </a:schemeClr>
+    </dgm:linClrLst>
+    <dgm:effectClrLst/>
+    <dgm:txLinClrLst/>
+    <dgm:txFillClrLst/>
+    <dgm:txEffectClrLst/>
+  </dgm:styleLbl>
+  <dgm:styleLbl name="sibTrans1D1">
+    <dgm:fillClrLst meth="repeat">
+      <a:schemeClr val="accent1"/>
+    </dgm:fillClrLst>
+    <dgm:linClrLst meth="repeat">
+      <a:schemeClr val="accent1"/>
+    </dgm:linClrLst>
+    <dgm:effectClrLst/>
+    <dgm:txLinClrLst/>
+    <dgm:txFillClrLst meth="repeat">
+      <a:schemeClr val="tx1"/>
+    </dgm:txFillClrLst>
+    <dgm:txEffectClrLst/>
+  </dgm:styleLbl>
+  <dgm:styleLbl name="callout">
+    <dgm:fillClrLst meth="repeat">
+      <a:schemeClr val="accent1"/>
+    </dgm:fillClrLst>
+    <dgm:linClrLst meth="repeat">
+      <a:schemeClr val="accent1">
+        <a:tint val="50000"/>
+      </a:schemeClr>
+    </dgm:linClrLst>
+    <dgm:effectClrLst/>
+    <dgm:txLinClrLst/>
+    <dgm:txFillClrLst meth="repeat">
+      <a:schemeClr val="tx1"/>
+    </dgm:txFillClrLst>
+    <dgm:txEffectClrLst/>
+  </dgm:styleLbl>
+  <dgm:styleLbl name="asst0">
+    <dgm:fillClrLst meth="repeat">
+      <a:schemeClr val="accent1"/>
+    </dgm:fillClrLst>
+    <dgm:linClrLst meth="repeat">
+      <a:schemeClr val="lt1"/>
+    </dgm:linClrLst>
+    <dgm:effectClrLst/>
+    <dgm:txLinClrLst/>
+    <dgm:txFillClrLst/>
+    <dgm:txEffectClrLst/>
+  </dgm:styleLbl>
+  <dgm:styleLbl name="asst1">
+    <dgm:fillClrLst meth="repeat">
+      <a:schemeClr val="accent1"/>
+    </dgm:fillClrLst>
+    <dgm:linClrLst meth="repeat">
+      <a:schemeClr val="lt1"/>
+    </dgm:linClrLst>
+    <dgm:effectClrLst/>
+    <dgm:txLinClrLst/>
+    <dgm:txFillClrLst/>
+    <dgm:txEffectClrLst/>
+  </dgm:styleLbl>
+  <dgm:styleLbl name="asst2">
+    <dgm:fillClrLst meth="repeat">
+      <a:schemeClr val="accent1"/>
+    </dgm:fillClrLst>
+    <dgm:linClrLst meth="repeat">
+      <a:schemeClr val="lt1"/>
+    </dgm:linClrLst>
+    <dgm:effectClrLst/>
+    <dgm:txLinClrLst/>
+    <dgm:txFillClrLst/>
+    <dgm:txEffectClrLst/>
+  </dgm:styleLbl>
+  <dgm:styleLbl name="asst3">
+    <dgm:fillClrLst meth="repeat">
+      <a:schemeClr val="accent1"/>
+    </dgm:fillClrLst>
+    <dgm:linClrLst meth="repeat">
+      <a:schemeClr val="lt1"/>
+    </dgm:linClrLst>
+    <dgm:effectClrLst/>
+    <dgm:txLinClrLst/>
+    <dgm:txFillClrLst/>
+    <dgm:txEffectClrLst/>
+  </dgm:styleLbl>
+  <dgm:styleLbl name="asst4">
+    <dgm:fillClrLst meth="repeat">
+      <a:schemeClr val="accent1"/>
+    </dgm:fillClrLst>
+    <dgm:linClrLst meth="repeat">
+      <a:schemeClr val="lt1"/>
+    </dgm:linClrLst>
+    <dgm:effectClrLst/>
+    <dgm:txLinClrLst/>
+    <dgm:txFillClrLst/>
+    <dgm:txEffectClrLst/>
+  </dgm:styleLbl>
+  <dgm:styleLbl name="parChTrans2D1">
+    <dgm:fillClrLst meth="repeat">
+      <a:schemeClr val="accent1">
+        <a:tint val="60000"/>
+      </a:schemeClr>
+    </dgm:fillClrLst>
+    <dgm:linClrLst meth="repeat">
+      <a:schemeClr val="accent1">
+        <a:tint val="60000"/>
+      </a:schemeClr>
+    </dgm:linClrLst>
+    <dgm:effectClrLst/>
+    <dgm:txLinClrLst/>
+    <dgm:txFillClrLst meth="repeat">
+      <a:schemeClr val="lt1"/>
+    </dgm:txFillClrLst>
+    <dgm:txEffectClrLst/>
+  </dgm:styleLbl>
+  <dgm:styleLbl name="parChTrans2D2">
+    <dgm:fillClrLst meth="repeat">
+      <a:schemeClr val="accent1"/>
+    </dgm:fillClrLst>
+    <dgm:linClrLst meth="repeat">
+      <a:schemeClr val="accent1"/>
+    </dgm:linClrLst>
+    <dgm:effectClrLst/>
+    <dgm:txLinClrLst/>
+    <dgm:txFillClrLst meth="repeat">
+      <a:schemeClr val="lt1"/>
+    </dgm:txFillClrLst>
+    <dgm:txEffectClrLst/>
+  </dgm:styleLbl>
+  <dgm:styleLbl name="parChTrans2D3">
+    <dgm:fillClrLst meth="repeat">
+      <a:schemeClr val="accent1"/>
+    </dgm:fillClrLst>
+    <dgm:linClrLst meth="repeat">
+      <a:schemeClr val="accent1"/>
+    </dgm:linClrLst>
+    <dgm:effectClrLst/>
+    <dgm:txLinClrLst/>
+    <dgm:txFillClrLst meth="repeat">
+      <a:schemeClr val="lt1"/>
+    </dgm:txFillClrLst>
+    <dgm:txEffectClrLst/>
+  </dgm:styleLbl>
+  <dgm:styleLbl name="parChTrans2D4">
+    <dgm:fillClrLst meth="repeat">
+      <a:schemeClr val="accent1"/>
+    </dgm:fillClrLst>
+    <dgm:linClrLst meth="repeat">
+      <a:schemeClr val="accent1"/>
+    </dgm:linClrLst>
+    <dgm:effectClrLst/>
+    <dgm:txLinClrLst/>
+    <dgm:txFillClrLst meth="repeat">
+      <a:schemeClr val="lt1"/>
+    </dgm:txFillClrLst>
+    <dgm:txEffectClrLst/>
+  </dgm:styleLbl>
+  <dgm:styleLbl name="parChTrans1D1">
+    <dgm:fillClrLst meth="repeat">
+      <a:schemeClr val="accent1"/>
+    </dgm:fillClrLst>
+    <dgm:linClrLst meth="repeat">
+      <a:schemeClr val="accent1">
+        <a:shade val="60000"/>
+      </a:schemeClr>
+    </dgm:linClrLst>
+    <dgm:effectClrLst/>
+    <dgm:txLinClrLst/>
+    <dgm:txFillClrLst meth="repeat">
+      <a:schemeClr val="tx1"/>
+    </dgm:txFillClrLst>
+    <dgm:txEffectClrLst/>
+  </dgm:styleLbl>
+  <dgm:styleLbl name="parChTrans1D2">
+    <dgm:fillClrLst meth="repeat">
+      <a:schemeClr val="accent1"/>
+    </dgm:fillClrLst>
+    <dgm:linClrLst meth="repeat">
+      <a:schemeClr val="accent1">
+        <a:shade val="60000"/>
+      </a:schemeClr>
+    </dgm:linClrLst>
+    <dgm:effectClrLst/>
+    <dgm:txLinClrLst/>
+    <dgm:txFillClrLst meth="repeat">
+      <a:schemeClr val="tx1"/>
+    </dgm:txFillClrLst>
+    <dgm:txEffectClrLst/>
+  </dgm:styleLbl>
+  <dgm:styleLbl name="parChTrans1D3">
+    <dgm:fillClrLst meth="repeat">
+      <a:schemeClr val="accent1"/>
+    </dgm:fillClrLst>
+    <dgm:linClrLst meth="repeat">
+      <a:schemeClr val="accent1">
+        <a:shade val="80000"/>
+      </a:schemeClr>
+    </dgm:linClrLst>
+    <dgm:effectClrLst/>
+    <dgm:txLinClrLst/>
+    <dgm:txFillClrLst meth="repeat">
+      <a:schemeClr val="tx1"/>
+    </dgm:txFillClrLst>
+    <dgm:txEffectClrLst/>
+  </dgm:styleLbl>
+  <dgm:styleLbl name="parChTrans1D4">
+    <dgm:fillClrLst meth="repeat">
+      <a:schemeClr val="accent1"/>
+    </dgm:fillClrLst>
+    <dgm:linClrLst meth="repeat">
+      <a:schemeClr val="accent1">
+        <a:shade val="80000"/>
+      </a:schemeClr>
+    </dgm:linClrLst>
+    <dgm:effectClrLst/>
+    <dgm:txLinClrLst/>
+    <dgm:txFillClrLst meth="repeat">
+      <a:schemeClr val="tx1"/>
+    </dgm:txFillClrLst>
+    <dgm:txEffectClrLst/>
+  </dgm:styleLbl>
+  <dgm:styleLbl name="fgAcc1">
+    <dgm:fillClrLst meth="repeat">
+      <a:schemeClr val="lt1">
+        <a:alpha val="90000"/>
+      </a:schemeClr>
+    </dgm:fillClrLst>
+    <dgm:linClrLst meth="repeat">
+      <a:schemeClr val="accent1"/>
+    </dgm:linClrLst>
+    <dgm:effectClrLst/>
+    <dgm:txLinClrLst/>
+    <dgm:txFillClrLst meth="repeat">
+      <a:schemeClr val="dk1"/>
+    </dgm:txFillClrLst>
+    <dgm:txEffectClrLst/>
+  </dgm:styleLbl>
+  <dgm:styleLbl name="conFgAcc1">
+    <dgm:fillClrLst meth="repeat">
+      <a:schemeClr val="lt1">
+        <a:alpha val="90000"/>
+      </a:schemeClr>
+    </dgm:fillClrLst>
+    <dgm:linClrLst meth="repeat">
+      <a:schemeClr val="accent1"/>
+    </dgm:linClrLst>
+    <dgm:effectClrLst/>
+    <dgm:txLinClrLst/>
+    <dgm:txFillClrLst meth="repeat">
+      <a:schemeClr val="dk1"/>
+    </dgm:txFillClrLst>
+    <dgm:txEffectClrLst/>
+  </dgm:styleLbl>
+  <dgm:styleLbl name="alignAcc1">
+    <dgm:fillClrLst meth="repeat">
+      <a:schemeClr val="lt1">
+        <a:alpha val="90000"/>
+      </a:schemeClr>
+    </dgm:fillClrLst>
+    <dgm:linClrLst meth="repeat">
+      <a:schemeClr val="accent1"/>
+    </dgm:linClrLst>
+    <dgm:effectClrLst/>
+    <dgm:txLinClrLst/>
+    <dgm:txFillClrLst meth="repeat">
+      <a:schemeClr val="dk1"/>
+    </dgm:txFillClrLst>
+    <dgm:txEffectClrLst/>
+  </dgm:styleLbl>
+  <dgm:styleLbl name="trAlignAcc1">
+    <dgm:fillClrLst meth="repeat">
+      <a:schemeClr val="lt1">
+        <a:alpha val="40000"/>
+      </a:schemeClr>
+    </dgm:fillClrLst>
+    <dgm:linClrLst meth="repeat">
+      <a:schemeClr val="accent1"/>
+    </dgm:linClrLst>
+    <dgm:effectClrLst/>
+    <dgm:txLinClrLst/>
+    <dgm:txFillClrLst meth="repeat">
+      <a:schemeClr val="dk1"/>
+    </dgm:txFillClrLst>
+    <dgm:txEffectClrLst/>
+  </dgm:styleLbl>
+  <dgm:styleLbl name="bgAcc1">
+    <dgm:fillClrLst meth="repeat">
+      <a:schemeClr val="lt1">
+        <a:alpha val="90000"/>
+      </a:schemeClr>
+    </dgm:fillClrLst>
+    <dgm:linClrLst meth="repeat">
+      <a:schemeClr val="accent1"/>
+    </dgm:linClrLst>
+    <dgm:effectClrLst/>
+    <dgm:txLinClrLst/>
+    <dgm:txFillClrLst meth="repeat">
+      <a:schemeClr val="dk1"/>
+    </dgm:txFillClrLst>
+    <dgm:txEffectClrLst/>
+  </dgm:styleLbl>
+  <dgm:styleLbl name="solidFgAcc1">
+    <dgm:fillClrLst meth="repeat">
+      <a:schemeClr val="lt1"/>
+    </dgm:fillClrLst>
+    <dgm:linClrLst meth="repeat">
+      <a:schemeClr val="accent1"/>
+    </dgm:linClrLst>
+    <dgm:effectClrLst/>
+    <dgm:txLinClrLst/>
+    <dgm:txFillClrLst meth="repeat">
+      <a:schemeClr val="dk1"/>
+    </dgm:txFillClrLst>
+    <dgm:txEffectClrLst/>
+  </dgm:styleLbl>
+  <dgm:styleLbl name="solidAlignAcc1">
+    <dgm:fillClrLst meth="repeat">
+      <a:schemeClr val="lt1"/>
+    </dgm:fillClrLst>
+    <dgm:linClrLst meth="repeat">
+      <a:schemeClr val="accent1"/>
+    </dgm:linClrLst>
+    <dgm:effectClrLst/>
+    <dgm:txLinClrLst/>
+    <dgm:txFillClrLst meth="repeat">
+      <a:schemeClr val="dk1"/>
+    </dgm:txFillClrLst>
+    <dgm:txEffectClrLst/>
+  </dgm:styleLbl>
+  <dgm:styleLbl name="solidBgAcc1">
+    <dgm:fillClrLst meth="repeat">
+      <a:schemeClr val="lt1"/>
+    </dgm:fillClrLst>
+    <dgm:linClrLst meth="repeat">
+      <a:schemeClr val="accent1"/>
+    </dgm:linClrLst>
+    <dgm:effectClrLst/>
+    <dgm:txLinClrLst/>
+    <dgm:txFillClrLst meth="repeat">
+      <a:schemeClr val="dk1"/>
+    </dgm:txFillClrLst>
+    <dgm:txEffectClrLst/>
+  </dgm:styleLbl>
+  <dgm:styleLbl name="fgAccFollowNode1">
+    <dgm:fillClrLst meth="repeat">
+      <a:schemeClr val="accent1">
+        <a:alpha val="90000"/>
+        <a:tint val="40000"/>
+      </a:schemeClr>
+    </dgm:fillClrLst>
+    <dgm:linClrLst meth="repeat">
+      <a:schemeClr val="accent1">
+        <a:alpha val="90000"/>
+        <a:tint val="40000"/>
+      </a:schemeClr>
+    </dgm:linClrLst>
+    <dgm:effectClrLst/>
+    <dgm:txLinClrLst/>
+    <dgm:txFillClrLst meth="repeat">
+      <a:schemeClr val="dk1"/>
+    </dgm:txFillClrLst>
+    <dgm:txEffectClrLst/>
+  </dgm:styleLbl>
+  <dgm:styleLbl name="alignAccFollowNode1">
+    <dgm:fillClrLst meth="repeat">
+      <a:schemeClr val="accent1">
+        <a:alpha val="90000"/>
+        <a:tint val="40000"/>
+      </a:schemeClr>
+    </dgm:fillClrLst>
+    <dgm:linClrLst meth="repeat">
+      <a:schemeClr val="accent1">
+        <a:alpha val="90000"/>
+        <a:tint val="40000"/>
+      </a:schemeClr>
+    </dgm:linClrLst>
+    <dgm:effectClrLst/>
+    <dgm:txLinClrLst/>
+    <dgm:txFillClrLst meth="repeat">
+      <a:schemeClr val="dk1"/>
+    </dgm:txFillClrLst>
+    <dgm:txEffectClrLst/>
+  </dgm:styleLbl>
+  <dgm:styleLbl name="bgAccFollowNode1">
+    <dgm:fillClrLst meth="repeat">
+      <a:schemeClr val="accent1">
+        <a:alpha val="90000"/>
+        <a:tint val="40000"/>
+      </a:schemeClr>
+    </dgm:fillClrLst>
+    <dgm:linClrLst meth="repeat">
+      <a:schemeClr val="accent1">
+        <a:alpha val="90000"/>
+        <a:tint val="40000"/>
+      </a:schemeClr>
+    </dgm:linClrLst>
+    <dgm:effectClrLst/>
+    <dgm:txLinClrLst/>
+    <dgm:txFillClrLst meth="repeat">
+      <a:schemeClr val="dk1"/>
+    </dgm:txFillClrLst>
+    <dgm:txEffectClrLst/>
+  </dgm:styleLbl>
+  <dgm:styleLbl name="fgAcc0">
+    <dgm:fillClrLst meth="repeat">
+      <a:schemeClr val="lt1">
+        <a:alpha val="90000"/>
+      </a:schemeClr>
+    </dgm:fillClrLst>
+    <dgm:linClrLst meth="repeat">
+      <a:schemeClr val="accent1"/>
+    </dgm:linClrLst>
+    <dgm:effectClrLst/>
+    <dgm:txLinClrLst/>
+    <dgm:txFillClrLst meth="repeat">
+      <a:schemeClr val="dk1"/>
+    </dgm:txFillClrLst>
+    <dgm:txEffectClrLst/>
+  </dgm:styleLbl>
+  <dgm:styleLbl name="fgAcc2">
+    <dgm:fillClrLst meth="repeat">
+      <a:schemeClr val="lt1">
+        <a:alpha val="90000"/>
+      </a:schemeClr>
+    </dgm:fillClrLst>
+    <dgm:linClrLst meth="repeat">
+      <a:schemeClr val="accent1"/>
+    </dgm:linClrLst>
+    <dgm:effectClrLst/>
+    <dgm:txLinClrLst/>
+    <dgm:txFillClrLst meth="repeat">
+      <a:schemeClr val="dk1"/>
+    </dgm:txFillClrLst>
+    <dgm:txEffectClrLst/>
+  </dgm:styleLbl>
+  <dgm:styleLbl name="fgAcc3">
+    <dgm:fillClrLst meth="repeat">
+      <a:schemeClr val="lt1">
+        <a:alpha val="90000"/>
+      </a:schemeClr>
+    </dgm:fillClrLst>
+    <dgm:linClrLst meth="repeat">
+      <a:schemeClr val="accent1"/>
+    </dgm:linClrLst>
+    <dgm:effectClrLst/>
+    <dgm:txLinClrLst/>
+    <dgm:txFillClrLst meth="repeat">
+      <a:schemeClr val="dk1"/>
+    </dgm:txFillClrLst>
+    <dgm:txEffectClrLst/>
+  </dgm:styleLbl>
+  <dgm:styleLbl name="fgAcc4">
+    <dgm:fillClrLst meth="repeat">
+      <a:schemeClr val="lt1">
+        <a:alpha val="90000"/>
+      </a:schemeClr>
+    </dgm:fillClrLst>
+    <dgm:linClrLst meth="repeat">
+      <a:schemeClr val="accent1"/>
+    </dgm:linClrLst>
+    <dgm:effectClrLst/>
+    <dgm:txLinClrLst/>
+    <dgm:txFillClrLst meth="repeat">
+      <a:schemeClr val="dk1"/>
+    </dgm:txFillClrLst>
+    <dgm:txEffectClrLst/>
+  </dgm:styleLbl>
+  <dgm:styleLbl name="bgShp">
+    <dgm:fillClrLst meth="repeat">
+      <a:schemeClr val="accent1">
+        <a:tint val="40000"/>
+      </a:schemeClr>
+    </dgm:fillClrLst>
+    <dgm:linClrLst meth="repeat">
+      <a:schemeClr val="accent1"/>
+    </dgm:linClrLst>
+    <dgm:effectClrLst/>
+    <dgm:txLinClrLst/>
+    <dgm:txFillClrLst meth="repeat">
+      <a:schemeClr val="dk1"/>
+    </dgm:txFillClrLst>
+    <dgm:txEffectClrLst/>
+  </dgm:styleLbl>
+  <dgm:styleLbl name="dkBgShp">
+    <dgm:fillClrLst meth="repeat">
+      <a:schemeClr val="accent1">
+        <a:shade val="80000"/>
+      </a:schemeClr>
+    </dgm:fillClrLst>
+    <dgm:linClrLst meth="repeat">
+      <a:schemeClr val="accent1"/>
+    </dgm:linClrLst>
+    <dgm:effectClrLst/>
+    <dgm:txLinClrLst/>
+    <dgm:txFillClrLst meth="repeat">
+      <a:schemeClr val="lt1"/>
+    </dgm:txFillClrLst>
+    <dgm:txEffectClrLst/>
+  </dgm:styleLbl>
+  <dgm:styleLbl name="trBgShp">
+    <dgm:fillClrLst meth="repeat">
+      <a:schemeClr val="accent1">
+        <a:tint val="50000"/>
+        <a:alpha val="40000"/>
+      </a:schemeClr>
+    </dgm:fillClrLst>
+    <dgm:linClrLst meth="repeat">
+      <a:schemeClr val="accent1"/>
+    </dgm:linClrLst>
+    <dgm:effectClrLst/>
+    <dgm:txLinClrLst/>
+    <dgm:txFillClrLst meth="repeat">
+      <a:schemeClr val="lt1"/>
+    </dgm:txFillClrLst>
+    <dgm:txEffectClrLst/>
+  </dgm:styleLbl>
+  <dgm:styleLbl name="fgShp">
+    <dgm:fillClrLst meth="repeat">
+      <a:schemeClr val="accent1">
+        <a:tint val="60000"/>
+      </a:schemeClr>
+    </dgm:fillClrLst>
+    <dgm:linClrLst meth="repeat">
+      <a:schemeClr val="lt1"/>
+    </dgm:linClrLst>
+    <dgm:effectClrLst/>
+    <dgm:txLinClrLst/>
+    <dgm:txFillClrLst meth="repeat">
+      <a:schemeClr val="dk1"/>
+    </dgm:txFillClrLst>
+    <dgm:txEffectClrLst/>
+  </dgm:styleLbl>
+  <dgm:styleLbl name="revTx">
+    <dgm:fillClrLst meth="repeat">
+      <a:schemeClr val="lt1">
+        <a:alpha val="0"/>
+      </a:schemeClr>
+    </dgm:fillClrLst>
+    <dgm:linClrLst meth="repeat">
+      <a:schemeClr val="dk1">
+        <a:alpha val="0"/>
+      </a:schemeClr>
+    </dgm:linClrLst>
+    <dgm:effectClrLst/>
+    <dgm:txLinClrLst/>
+    <dgm:txFillClrLst meth="repeat">
+      <a:schemeClr val="tx1"/>
+    </dgm:txFillClrLst>
+    <dgm:txEffectClrLst/>
+  </dgm:styleLbl>
+</dgm:colorsDef>
+</file>
+
+<file path=ppt/diagrams/data1.xml><?xml version="1.0" encoding="utf-8"?>
+<dgm:dataModel xmlns:dgm="http://schemas.openxmlformats.org/drawingml/2006/diagram" xmlns:a="http://schemas.openxmlformats.org/drawingml/2006/main">
+  <dgm:ptLst>
+    <dgm:pt modelId="{3279A46A-FFDF-4AA5-B3C9-4504A4E13072}" type="doc">
+      <dgm:prSet loTypeId="urn:microsoft.com/office/officeart/2005/8/layout/vList5" loCatId="list" qsTypeId="urn:microsoft.com/office/officeart/2005/8/quickstyle/simple1" qsCatId="simple" csTypeId="urn:microsoft.com/office/officeart/2005/8/colors/accent1_2" csCatId="accent1" phldr="1"/>
+      <dgm:spPr/>
+      <dgm:t>
+        <a:bodyPr/>
+        <a:lstStyle/>
+        <a:p>
+          <a:endParaRPr lang="en-US"/>
+        </a:p>
+      </dgm:t>
+    </dgm:pt>
+    <dgm:pt modelId="{F4797B88-F296-4E5F-86C6-EC9F371D0105}">
+      <dgm:prSet phldrT="[Text]"/>
+      <dgm:spPr/>
+      <dgm:t>
+        <a:bodyPr/>
+        <a:lstStyle/>
+        <a:p>
+          <a:r>
+            <a:rPr lang="en-US" dirty="0" smtClean="0"/>
+            <a:t>Model</a:t>
+          </a:r>
+          <a:endParaRPr lang="en-US" dirty="0"/>
+        </a:p>
+      </dgm:t>
+    </dgm:pt>
+    <dgm:pt modelId="{607630C6-42D6-462A-B458-9AD0F24F26A7}" type="parTrans" cxnId="{329D3219-626F-4222-A37B-14364F7CDD31}">
+      <dgm:prSet/>
+      <dgm:spPr/>
+      <dgm:t>
+        <a:bodyPr/>
+        <a:lstStyle/>
+        <a:p>
+          <a:endParaRPr lang="en-US"/>
+        </a:p>
+      </dgm:t>
+    </dgm:pt>
+    <dgm:pt modelId="{0B494657-DD8E-4769-9508-42F87803609E}" type="sibTrans" cxnId="{329D3219-626F-4222-A37B-14364F7CDD31}">
+      <dgm:prSet/>
+      <dgm:spPr/>
+      <dgm:t>
+        <a:bodyPr/>
+        <a:lstStyle/>
+        <a:p>
+          <a:endParaRPr lang="en-US"/>
+        </a:p>
+      </dgm:t>
+    </dgm:pt>
+    <dgm:pt modelId="{22B0F136-8A3A-46EB-9375-469FEE9E1A13}">
+      <dgm:prSet phldrT="[Text]"/>
+      <dgm:spPr/>
+      <dgm:t>
+        <a:bodyPr/>
+        <a:lstStyle/>
+        <a:p>
+          <a:r>
+            <a:rPr lang="en-US" dirty="0" smtClean="0"/>
+            <a:t>The shape of the data on the server</a:t>
+          </a:r>
+          <a:endParaRPr lang="en-US" dirty="0"/>
+        </a:p>
+      </dgm:t>
+    </dgm:pt>
+    <dgm:pt modelId="{B3F16320-9826-4E0F-B54C-78C163296AEC}" type="parTrans" cxnId="{BE7DB556-A5C9-42CB-B886-019700A58FE2}">
+      <dgm:prSet/>
+      <dgm:spPr/>
+      <dgm:t>
+        <a:bodyPr/>
+        <a:lstStyle/>
+        <a:p>
+          <a:endParaRPr lang="en-US"/>
+        </a:p>
+      </dgm:t>
+    </dgm:pt>
+    <dgm:pt modelId="{49358413-4DDB-4444-A3A6-5FE2FB3B125D}" type="sibTrans" cxnId="{BE7DB556-A5C9-42CB-B886-019700A58FE2}">
+      <dgm:prSet/>
+      <dgm:spPr/>
+      <dgm:t>
+        <a:bodyPr/>
+        <a:lstStyle/>
+        <a:p>
+          <a:endParaRPr lang="en-US"/>
+        </a:p>
+      </dgm:t>
+    </dgm:pt>
+    <dgm:pt modelId="{C59A67FF-7106-439A-BF11-0B0AFA7B2B00}">
+      <dgm:prSet phldrT="[Text]"/>
+      <dgm:spPr/>
+      <dgm:t>
+        <a:bodyPr/>
+        <a:lstStyle/>
+        <a:p>
+          <a:r>
+            <a:rPr lang="en-US" dirty="0" smtClean="0"/>
+            <a:t>Generally domain objects</a:t>
+          </a:r>
+          <a:endParaRPr lang="en-US" dirty="0"/>
+        </a:p>
+      </dgm:t>
+    </dgm:pt>
+    <dgm:pt modelId="{FED647A2-4AF8-40ED-A00A-2107C045C7E1}" type="parTrans" cxnId="{2882E005-6DB6-4939-BFF1-76E9142F1C57}">
+      <dgm:prSet/>
+      <dgm:spPr/>
+      <dgm:t>
+        <a:bodyPr/>
+        <a:lstStyle/>
+        <a:p>
+          <a:endParaRPr lang="en-US"/>
+        </a:p>
+      </dgm:t>
+    </dgm:pt>
+    <dgm:pt modelId="{F3C19DD4-A6B3-4ECB-8C04-B36F3238E1E7}" type="sibTrans" cxnId="{2882E005-6DB6-4939-BFF1-76E9142F1C57}">
+      <dgm:prSet/>
+      <dgm:spPr/>
+      <dgm:t>
+        <a:bodyPr/>
+        <a:lstStyle/>
+        <a:p>
+          <a:endParaRPr lang="en-US"/>
+        </a:p>
+      </dgm:t>
+    </dgm:pt>
+    <dgm:pt modelId="{62CAA446-0B97-4A55-B2A7-66A75F03448D}">
+      <dgm:prSet phldrT="[Text]"/>
+      <dgm:spPr/>
+      <dgm:t>
+        <a:bodyPr/>
+        <a:lstStyle/>
+        <a:p>
+          <a:r>
+            <a:rPr lang="en-US" dirty="0" smtClean="0"/>
+            <a:t>View</a:t>
+          </a:r>
+          <a:endParaRPr lang="en-US" dirty="0"/>
+        </a:p>
+      </dgm:t>
+    </dgm:pt>
+    <dgm:pt modelId="{141CAB15-E030-40D6-A622-88C4EA228852}" type="parTrans" cxnId="{21096A46-DF78-4EDB-9335-9EC98547372C}">
+      <dgm:prSet/>
+      <dgm:spPr/>
+      <dgm:t>
+        <a:bodyPr/>
+        <a:lstStyle/>
+        <a:p>
+          <a:endParaRPr lang="en-US"/>
+        </a:p>
+      </dgm:t>
+    </dgm:pt>
+    <dgm:pt modelId="{83168FCD-DD09-4B64-853F-7E29EB041FF5}" type="sibTrans" cxnId="{21096A46-DF78-4EDB-9335-9EC98547372C}">
+      <dgm:prSet/>
+      <dgm:spPr/>
+      <dgm:t>
+        <a:bodyPr/>
+        <a:lstStyle/>
+        <a:p>
+          <a:endParaRPr lang="en-US"/>
+        </a:p>
+      </dgm:t>
+    </dgm:pt>
+    <dgm:pt modelId="{69027664-BC10-42BA-BC4C-4118D0BA7903}">
+      <dgm:prSet phldrT="[Text]"/>
+      <dgm:spPr/>
+      <dgm:t>
+        <a:bodyPr/>
+        <a:lstStyle/>
+        <a:p>
+          <a:r>
+            <a:rPr lang="en-US" dirty="0" smtClean="0"/>
+            <a:t>Defines the user facing part of the application</a:t>
+          </a:r>
+          <a:endParaRPr lang="en-US" dirty="0"/>
+        </a:p>
+      </dgm:t>
+    </dgm:pt>
+    <dgm:pt modelId="{B1097CBF-E086-4F41-9C14-BC2F2E27B471}" type="parTrans" cxnId="{7A0F87EE-AD61-4352-8710-0CAA15D9A167}">
+      <dgm:prSet/>
+      <dgm:spPr/>
+      <dgm:t>
+        <a:bodyPr/>
+        <a:lstStyle/>
+        <a:p>
+          <a:endParaRPr lang="en-US"/>
+        </a:p>
+      </dgm:t>
+    </dgm:pt>
+    <dgm:pt modelId="{A1F33088-D013-4416-BC17-550C2B24F762}" type="sibTrans" cxnId="{7A0F87EE-AD61-4352-8710-0CAA15D9A167}">
+      <dgm:prSet/>
+      <dgm:spPr/>
+      <dgm:t>
+        <a:bodyPr/>
+        <a:lstStyle/>
+        <a:p>
+          <a:endParaRPr lang="en-US"/>
+        </a:p>
+      </dgm:t>
+    </dgm:pt>
+    <dgm:pt modelId="{8DF64596-818C-4BC9-B7B1-82765D4A8616}">
+      <dgm:prSet phldrT="[Text]"/>
+      <dgm:spPr/>
+      <dgm:t>
+        <a:bodyPr/>
+        <a:lstStyle/>
+        <a:p>
+          <a:r>
+            <a:rPr lang="en-US" dirty="0" smtClean="0"/>
+            <a:t>HTML (or jade, MVC, etc.)</a:t>
+          </a:r>
+          <a:endParaRPr lang="en-US" dirty="0"/>
+        </a:p>
+      </dgm:t>
+    </dgm:pt>
+    <dgm:pt modelId="{EB7ABD9D-36C5-4C39-B625-100C7CF79D13}" type="parTrans" cxnId="{390D4A74-65DD-4E78-9FE0-69E2719E5E12}">
+      <dgm:prSet/>
+      <dgm:spPr/>
+      <dgm:t>
+        <a:bodyPr/>
+        <a:lstStyle/>
+        <a:p>
+          <a:endParaRPr lang="en-US"/>
+        </a:p>
+      </dgm:t>
+    </dgm:pt>
+    <dgm:pt modelId="{CCAAAEF7-EB40-4538-9930-E1B1ACA344FD}" type="sibTrans" cxnId="{390D4A74-65DD-4E78-9FE0-69E2719E5E12}">
+      <dgm:prSet/>
+      <dgm:spPr/>
+      <dgm:t>
+        <a:bodyPr/>
+        <a:lstStyle/>
+        <a:p>
+          <a:endParaRPr lang="en-US"/>
+        </a:p>
+      </dgm:t>
+    </dgm:pt>
+    <dgm:pt modelId="{A6073814-0DDC-4F25-9170-02A001C96011}">
+      <dgm:prSet phldrT="[Text]"/>
+      <dgm:spPr/>
+      <dgm:t>
+        <a:bodyPr/>
+        <a:lstStyle/>
+        <a:p>
+          <a:r>
+            <a:rPr lang="en-US" dirty="0" smtClean="0"/>
+            <a:t>View Model</a:t>
+          </a:r>
+          <a:endParaRPr lang="en-US" dirty="0"/>
+        </a:p>
+      </dgm:t>
+    </dgm:pt>
+    <dgm:pt modelId="{AE49E81B-0946-44E3-96BF-D5E9D4C05CC3}" type="parTrans" cxnId="{72EE01CC-4CC4-4726-B8B0-89496B1E89C2}">
+      <dgm:prSet/>
+      <dgm:spPr/>
+      <dgm:t>
+        <a:bodyPr/>
+        <a:lstStyle/>
+        <a:p>
+          <a:endParaRPr lang="en-US"/>
+        </a:p>
+      </dgm:t>
+    </dgm:pt>
+    <dgm:pt modelId="{CEDEFB73-949F-4CAA-9983-CF0FFA427372}" type="sibTrans" cxnId="{72EE01CC-4CC4-4726-B8B0-89496B1E89C2}">
+      <dgm:prSet/>
+      <dgm:spPr/>
+      <dgm:t>
+        <a:bodyPr/>
+        <a:lstStyle/>
+        <a:p>
+          <a:endParaRPr lang="en-US"/>
+        </a:p>
+      </dgm:t>
+    </dgm:pt>
+    <dgm:pt modelId="{0FE0CD2D-4D80-4576-B674-B0AD683665B0}">
+      <dgm:prSet phldrT="[Text]"/>
+      <dgm:spPr/>
+      <dgm:t>
+        <a:bodyPr/>
+        <a:lstStyle/>
+        <a:p>
+          <a:r>
+            <a:rPr lang="en-US" dirty="0" smtClean="0"/>
+            <a:t>Data representation of the UI</a:t>
+          </a:r>
+          <a:endParaRPr lang="en-US" dirty="0"/>
+        </a:p>
+      </dgm:t>
+    </dgm:pt>
+    <dgm:pt modelId="{96C0FB73-25D2-4C81-966A-CB1C9E79BBFC}" type="parTrans" cxnId="{63645112-11D6-4FC0-9816-B6575A2E0561}">
+      <dgm:prSet/>
+      <dgm:spPr/>
+      <dgm:t>
+        <a:bodyPr/>
+        <a:lstStyle/>
+        <a:p>
+          <a:endParaRPr lang="en-US"/>
+        </a:p>
+      </dgm:t>
+    </dgm:pt>
+    <dgm:pt modelId="{D06C992C-E4AC-4885-968D-38A8F08CB0A1}" type="sibTrans" cxnId="{63645112-11D6-4FC0-9816-B6575A2E0561}">
+      <dgm:prSet/>
+      <dgm:spPr/>
+      <dgm:t>
+        <a:bodyPr/>
+        <a:lstStyle/>
+        <a:p>
+          <a:endParaRPr lang="en-US"/>
+        </a:p>
+      </dgm:t>
+    </dgm:pt>
+    <dgm:pt modelId="{A51DB2D5-68EC-4C02-BFE1-771EFF7BB3A7}">
+      <dgm:prSet phldrT="[Text]"/>
+      <dgm:spPr/>
+      <dgm:t>
+        <a:bodyPr/>
+        <a:lstStyle/>
+        <a:p>
+          <a:r>
+            <a:rPr lang="en-US" dirty="0" smtClean="0"/>
+            <a:t>Container for </a:t>
+          </a:r>
+          <a:r>
+            <a:rPr lang="en-US" b="1" dirty="0" smtClean="0"/>
+            <a:t>all state</a:t>
+          </a:r>
+          <a:r>
+            <a:rPr lang="en-US" dirty="0" smtClean="0"/>
+            <a:t> in the application</a:t>
+          </a:r>
+          <a:endParaRPr lang="en-US" dirty="0"/>
+        </a:p>
+      </dgm:t>
+    </dgm:pt>
+    <dgm:pt modelId="{4ADEA62C-A333-477D-9BC2-D7F9ED22AB67}" type="parTrans" cxnId="{07457F0F-4792-4F14-9B5C-71BA3C061E25}">
+      <dgm:prSet/>
+      <dgm:spPr/>
+      <dgm:t>
+        <a:bodyPr/>
+        <a:lstStyle/>
+        <a:p>
+          <a:endParaRPr lang="en-US"/>
+        </a:p>
+      </dgm:t>
+    </dgm:pt>
+    <dgm:pt modelId="{3057C3D1-0B7F-4E29-B83B-50EBCFA707B0}" type="sibTrans" cxnId="{07457F0F-4792-4F14-9B5C-71BA3C061E25}">
+      <dgm:prSet/>
+      <dgm:spPr/>
+      <dgm:t>
+        <a:bodyPr/>
+        <a:lstStyle/>
+        <a:p>
+          <a:endParaRPr lang="en-US"/>
+        </a:p>
+      </dgm:t>
+    </dgm:pt>
+    <dgm:pt modelId="{ED8392A6-D046-4A2E-B2D0-7720D0D09C63}" type="pres">
+      <dgm:prSet presAssocID="{3279A46A-FFDF-4AA5-B3C9-4504A4E13072}" presName="Name0" presStyleCnt="0">
+        <dgm:presLayoutVars>
+          <dgm:dir/>
+          <dgm:animLvl val="lvl"/>
+          <dgm:resizeHandles val="exact"/>
+        </dgm:presLayoutVars>
+      </dgm:prSet>
+      <dgm:spPr/>
+    </dgm:pt>
+    <dgm:pt modelId="{E9A862BC-2DB2-406C-A820-B3F44AC3F3B8}" type="pres">
+      <dgm:prSet presAssocID="{F4797B88-F296-4E5F-86C6-EC9F371D0105}" presName="linNode" presStyleCnt="0"/>
+      <dgm:spPr/>
+    </dgm:pt>
+    <dgm:pt modelId="{21CB7EFC-4436-43A2-B2BE-5CC2B0CDD6AC}" type="pres">
+      <dgm:prSet presAssocID="{F4797B88-F296-4E5F-86C6-EC9F371D0105}" presName="parentText" presStyleLbl="node1" presStyleIdx="0" presStyleCnt="3">
+        <dgm:presLayoutVars>
+          <dgm:chMax val="1"/>
+          <dgm:bulletEnabled val="1"/>
+        </dgm:presLayoutVars>
+      </dgm:prSet>
+      <dgm:spPr/>
+    </dgm:pt>
+    <dgm:pt modelId="{4E6D8DB4-AC27-48C9-B335-D54D6D35C494}" type="pres">
+      <dgm:prSet presAssocID="{F4797B88-F296-4E5F-86C6-EC9F371D0105}" presName="descendantText" presStyleLbl="alignAccFollowNode1" presStyleIdx="0" presStyleCnt="3">
+        <dgm:presLayoutVars>
+          <dgm:bulletEnabled val="1"/>
+        </dgm:presLayoutVars>
+      </dgm:prSet>
+      <dgm:spPr/>
+      <dgm:t>
+        <a:bodyPr/>
+        <a:lstStyle/>
+        <a:p>
+          <a:endParaRPr lang="en-US"/>
+        </a:p>
+      </dgm:t>
+    </dgm:pt>
+    <dgm:pt modelId="{B7EDCBBC-7BF7-499C-AD7B-32735F7379A4}" type="pres">
+      <dgm:prSet presAssocID="{0B494657-DD8E-4769-9508-42F87803609E}" presName="sp" presStyleCnt="0"/>
+      <dgm:spPr/>
+    </dgm:pt>
+    <dgm:pt modelId="{F86B5C93-8613-46C5-8BA7-061A962D9CFE}" type="pres">
+      <dgm:prSet presAssocID="{62CAA446-0B97-4A55-B2A7-66A75F03448D}" presName="linNode" presStyleCnt="0"/>
+      <dgm:spPr/>
+    </dgm:pt>
+    <dgm:pt modelId="{74E6D9EC-A7F3-4580-A685-E2BD50AB5355}" type="pres">
+      <dgm:prSet presAssocID="{62CAA446-0B97-4A55-B2A7-66A75F03448D}" presName="parentText" presStyleLbl="node1" presStyleIdx="1" presStyleCnt="3">
+        <dgm:presLayoutVars>
+          <dgm:chMax val="1"/>
+          <dgm:bulletEnabled val="1"/>
+        </dgm:presLayoutVars>
+      </dgm:prSet>
+      <dgm:spPr/>
+    </dgm:pt>
+    <dgm:pt modelId="{0814FA92-AA18-411C-94E5-8357267DEB19}" type="pres">
+      <dgm:prSet presAssocID="{62CAA446-0B97-4A55-B2A7-66A75F03448D}" presName="descendantText" presStyleLbl="alignAccFollowNode1" presStyleIdx="1" presStyleCnt="3">
+        <dgm:presLayoutVars>
+          <dgm:bulletEnabled val="1"/>
+        </dgm:presLayoutVars>
+      </dgm:prSet>
+      <dgm:spPr/>
+      <dgm:t>
+        <a:bodyPr/>
+        <a:lstStyle/>
+        <a:p>
+          <a:endParaRPr lang="en-US"/>
+        </a:p>
+      </dgm:t>
+    </dgm:pt>
+    <dgm:pt modelId="{3DF194FA-E4CC-4BAB-AD90-E8CF5ABB32CA}" type="pres">
+      <dgm:prSet presAssocID="{83168FCD-DD09-4B64-853F-7E29EB041FF5}" presName="sp" presStyleCnt="0"/>
+      <dgm:spPr/>
+    </dgm:pt>
+    <dgm:pt modelId="{A150CEAB-71F6-46A4-9D4A-DB389CC54174}" type="pres">
+      <dgm:prSet presAssocID="{A6073814-0DDC-4F25-9170-02A001C96011}" presName="linNode" presStyleCnt="0"/>
+      <dgm:spPr/>
+    </dgm:pt>
+    <dgm:pt modelId="{81D44496-CBAE-4BB8-B6C0-9302F1169421}" type="pres">
+      <dgm:prSet presAssocID="{A6073814-0DDC-4F25-9170-02A001C96011}" presName="parentText" presStyleLbl="node1" presStyleIdx="2" presStyleCnt="3">
+        <dgm:presLayoutVars>
+          <dgm:chMax val="1"/>
+          <dgm:bulletEnabled val="1"/>
+        </dgm:presLayoutVars>
+      </dgm:prSet>
+      <dgm:spPr/>
+    </dgm:pt>
+    <dgm:pt modelId="{90EF9D5C-30B4-4C7D-8F35-E851422FF8A5}" type="pres">
+      <dgm:prSet presAssocID="{A6073814-0DDC-4F25-9170-02A001C96011}" presName="descendantText" presStyleLbl="alignAccFollowNode1" presStyleIdx="2" presStyleCnt="3">
+        <dgm:presLayoutVars>
+          <dgm:bulletEnabled val="1"/>
+        </dgm:presLayoutVars>
+      </dgm:prSet>
+      <dgm:spPr/>
+      <dgm:t>
+        <a:bodyPr/>
+        <a:lstStyle/>
+        <a:p>
+          <a:endParaRPr lang="en-US"/>
+        </a:p>
+      </dgm:t>
+    </dgm:pt>
+  </dgm:ptLst>
+  <dgm:cxnLst>
+    <dgm:cxn modelId="{FA01650B-E8B0-4326-A380-7C16962E0834}" type="presOf" srcId="{8DF64596-818C-4BC9-B7B1-82765D4A8616}" destId="{0814FA92-AA18-411C-94E5-8357267DEB19}" srcOrd="0" destOrd="1" presId="urn:microsoft.com/office/officeart/2005/8/layout/vList5"/>
+    <dgm:cxn modelId="{BF827256-117D-4465-99FF-D6038D2BCAD0}" type="presOf" srcId="{F4797B88-F296-4E5F-86C6-EC9F371D0105}" destId="{21CB7EFC-4436-43A2-B2BE-5CC2B0CDD6AC}" srcOrd="0" destOrd="0" presId="urn:microsoft.com/office/officeart/2005/8/layout/vList5"/>
+    <dgm:cxn modelId="{DFCD9443-E51A-4AC5-B902-18C891AA3CB8}" type="presOf" srcId="{A6073814-0DDC-4F25-9170-02A001C96011}" destId="{81D44496-CBAE-4BB8-B6C0-9302F1169421}" srcOrd="0" destOrd="0" presId="urn:microsoft.com/office/officeart/2005/8/layout/vList5"/>
+    <dgm:cxn modelId="{221C8866-53CB-465B-8E61-1CAF259D7C81}" type="presOf" srcId="{A51DB2D5-68EC-4C02-BFE1-771EFF7BB3A7}" destId="{90EF9D5C-30B4-4C7D-8F35-E851422FF8A5}" srcOrd="0" destOrd="1" presId="urn:microsoft.com/office/officeart/2005/8/layout/vList5"/>
+    <dgm:cxn modelId="{2882E005-6DB6-4939-BFF1-76E9142F1C57}" srcId="{F4797B88-F296-4E5F-86C6-EC9F371D0105}" destId="{C59A67FF-7106-439A-BF11-0B0AFA7B2B00}" srcOrd="1" destOrd="0" parTransId="{FED647A2-4AF8-40ED-A00A-2107C045C7E1}" sibTransId="{F3C19DD4-A6B3-4ECB-8C04-B36F3238E1E7}"/>
+    <dgm:cxn modelId="{21096A46-DF78-4EDB-9335-9EC98547372C}" srcId="{3279A46A-FFDF-4AA5-B3C9-4504A4E13072}" destId="{62CAA446-0B97-4A55-B2A7-66A75F03448D}" srcOrd="1" destOrd="0" parTransId="{141CAB15-E030-40D6-A622-88C4EA228852}" sibTransId="{83168FCD-DD09-4B64-853F-7E29EB041FF5}"/>
+    <dgm:cxn modelId="{A5FF7BE0-A4FB-49EC-A383-F272996A9019}" type="presOf" srcId="{62CAA446-0B97-4A55-B2A7-66A75F03448D}" destId="{74E6D9EC-A7F3-4580-A685-E2BD50AB5355}" srcOrd="0" destOrd="0" presId="urn:microsoft.com/office/officeart/2005/8/layout/vList5"/>
+    <dgm:cxn modelId="{63645112-11D6-4FC0-9816-B6575A2E0561}" srcId="{A6073814-0DDC-4F25-9170-02A001C96011}" destId="{0FE0CD2D-4D80-4576-B674-B0AD683665B0}" srcOrd="0" destOrd="0" parTransId="{96C0FB73-25D2-4C81-966A-CB1C9E79BBFC}" sibTransId="{D06C992C-E4AC-4885-968D-38A8F08CB0A1}"/>
+    <dgm:cxn modelId="{B0890D5C-9D36-49C2-9F7B-D5EED7BFA871}" type="presOf" srcId="{69027664-BC10-42BA-BC4C-4118D0BA7903}" destId="{0814FA92-AA18-411C-94E5-8357267DEB19}" srcOrd="0" destOrd="0" presId="urn:microsoft.com/office/officeart/2005/8/layout/vList5"/>
+    <dgm:cxn modelId="{329D3219-626F-4222-A37B-14364F7CDD31}" srcId="{3279A46A-FFDF-4AA5-B3C9-4504A4E13072}" destId="{F4797B88-F296-4E5F-86C6-EC9F371D0105}" srcOrd="0" destOrd="0" parTransId="{607630C6-42D6-462A-B458-9AD0F24F26A7}" sibTransId="{0B494657-DD8E-4769-9508-42F87803609E}"/>
+    <dgm:cxn modelId="{07457F0F-4792-4F14-9B5C-71BA3C061E25}" srcId="{A6073814-0DDC-4F25-9170-02A001C96011}" destId="{A51DB2D5-68EC-4C02-BFE1-771EFF7BB3A7}" srcOrd="1" destOrd="0" parTransId="{4ADEA62C-A333-477D-9BC2-D7F9ED22AB67}" sibTransId="{3057C3D1-0B7F-4E29-B83B-50EBCFA707B0}"/>
+    <dgm:cxn modelId="{72EE01CC-4CC4-4726-B8B0-89496B1E89C2}" srcId="{3279A46A-FFDF-4AA5-B3C9-4504A4E13072}" destId="{A6073814-0DDC-4F25-9170-02A001C96011}" srcOrd="2" destOrd="0" parTransId="{AE49E81B-0946-44E3-96BF-D5E9D4C05CC3}" sibTransId="{CEDEFB73-949F-4CAA-9983-CF0FFA427372}"/>
+    <dgm:cxn modelId="{194A2DC3-3AAF-4988-963F-6F9D7FE2CAAF}" type="presOf" srcId="{22B0F136-8A3A-46EB-9375-469FEE9E1A13}" destId="{4E6D8DB4-AC27-48C9-B335-D54D6D35C494}" srcOrd="0" destOrd="0" presId="urn:microsoft.com/office/officeart/2005/8/layout/vList5"/>
+    <dgm:cxn modelId="{69B75FF1-0C93-44C9-B437-21D2D57CD57B}" type="presOf" srcId="{C59A67FF-7106-439A-BF11-0B0AFA7B2B00}" destId="{4E6D8DB4-AC27-48C9-B335-D54D6D35C494}" srcOrd="0" destOrd="1" presId="urn:microsoft.com/office/officeart/2005/8/layout/vList5"/>
+    <dgm:cxn modelId="{CE183D71-FA02-44D7-89A7-00F9CB8B5E24}" type="presOf" srcId="{0FE0CD2D-4D80-4576-B674-B0AD683665B0}" destId="{90EF9D5C-30B4-4C7D-8F35-E851422FF8A5}" srcOrd="0" destOrd="0" presId="urn:microsoft.com/office/officeart/2005/8/layout/vList5"/>
+    <dgm:cxn modelId="{09CCC294-9F43-4BDD-AC76-178202CE9ABF}" type="presOf" srcId="{3279A46A-FFDF-4AA5-B3C9-4504A4E13072}" destId="{ED8392A6-D046-4A2E-B2D0-7720D0D09C63}" srcOrd="0" destOrd="0" presId="urn:microsoft.com/office/officeart/2005/8/layout/vList5"/>
+    <dgm:cxn modelId="{BE7DB556-A5C9-42CB-B886-019700A58FE2}" srcId="{F4797B88-F296-4E5F-86C6-EC9F371D0105}" destId="{22B0F136-8A3A-46EB-9375-469FEE9E1A13}" srcOrd="0" destOrd="0" parTransId="{B3F16320-9826-4E0F-B54C-78C163296AEC}" sibTransId="{49358413-4DDB-4444-A3A6-5FE2FB3B125D}"/>
+    <dgm:cxn modelId="{390D4A74-65DD-4E78-9FE0-69E2719E5E12}" srcId="{62CAA446-0B97-4A55-B2A7-66A75F03448D}" destId="{8DF64596-818C-4BC9-B7B1-82765D4A8616}" srcOrd="1" destOrd="0" parTransId="{EB7ABD9D-36C5-4C39-B625-100C7CF79D13}" sibTransId="{CCAAAEF7-EB40-4538-9930-E1B1ACA344FD}"/>
+    <dgm:cxn modelId="{7A0F87EE-AD61-4352-8710-0CAA15D9A167}" srcId="{62CAA446-0B97-4A55-B2A7-66A75F03448D}" destId="{69027664-BC10-42BA-BC4C-4118D0BA7903}" srcOrd="0" destOrd="0" parTransId="{B1097CBF-E086-4F41-9C14-BC2F2E27B471}" sibTransId="{A1F33088-D013-4416-BC17-550C2B24F762}"/>
+    <dgm:cxn modelId="{B6A20946-4D00-4102-BA57-FA02AD66A1BD}" type="presParOf" srcId="{ED8392A6-D046-4A2E-B2D0-7720D0D09C63}" destId="{E9A862BC-2DB2-406C-A820-B3F44AC3F3B8}" srcOrd="0" destOrd="0" presId="urn:microsoft.com/office/officeart/2005/8/layout/vList5"/>
+    <dgm:cxn modelId="{71FE8248-2459-40F4-89D4-8D9005C6B1AB}" type="presParOf" srcId="{E9A862BC-2DB2-406C-A820-B3F44AC3F3B8}" destId="{21CB7EFC-4436-43A2-B2BE-5CC2B0CDD6AC}" srcOrd="0" destOrd="0" presId="urn:microsoft.com/office/officeart/2005/8/layout/vList5"/>
+    <dgm:cxn modelId="{FDCFE404-7473-432B-8EAB-D811EF0569BD}" type="presParOf" srcId="{E9A862BC-2DB2-406C-A820-B3F44AC3F3B8}" destId="{4E6D8DB4-AC27-48C9-B335-D54D6D35C494}" srcOrd="1" destOrd="0" presId="urn:microsoft.com/office/officeart/2005/8/layout/vList5"/>
+    <dgm:cxn modelId="{45727776-39DC-4049-A254-2B090C61074A}" type="presParOf" srcId="{ED8392A6-D046-4A2E-B2D0-7720D0D09C63}" destId="{B7EDCBBC-7BF7-499C-AD7B-32735F7379A4}" srcOrd="1" destOrd="0" presId="urn:microsoft.com/office/officeart/2005/8/layout/vList5"/>
+    <dgm:cxn modelId="{1CFEEF3F-ADEB-452E-B429-DE6E6BD6796D}" type="presParOf" srcId="{ED8392A6-D046-4A2E-B2D0-7720D0D09C63}" destId="{F86B5C93-8613-46C5-8BA7-061A962D9CFE}" srcOrd="2" destOrd="0" presId="urn:microsoft.com/office/officeart/2005/8/layout/vList5"/>
+    <dgm:cxn modelId="{11E362D1-2175-4F31-A967-AB50CC82A604}" type="presParOf" srcId="{F86B5C93-8613-46C5-8BA7-061A962D9CFE}" destId="{74E6D9EC-A7F3-4580-A685-E2BD50AB5355}" srcOrd="0" destOrd="0" presId="urn:microsoft.com/office/officeart/2005/8/layout/vList5"/>
+    <dgm:cxn modelId="{907021A2-D689-45CE-84F1-D29C12AC9F23}" type="presParOf" srcId="{F86B5C93-8613-46C5-8BA7-061A962D9CFE}" destId="{0814FA92-AA18-411C-94E5-8357267DEB19}" srcOrd="1" destOrd="0" presId="urn:microsoft.com/office/officeart/2005/8/layout/vList5"/>
+    <dgm:cxn modelId="{C1FA6033-A1B2-4323-8FE6-151230AF44E8}" type="presParOf" srcId="{ED8392A6-D046-4A2E-B2D0-7720D0D09C63}" destId="{3DF194FA-E4CC-4BAB-AD90-E8CF5ABB32CA}" srcOrd="3" destOrd="0" presId="urn:microsoft.com/office/officeart/2005/8/layout/vList5"/>
+    <dgm:cxn modelId="{F48A8962-1FEB-4967-A536-06056250B5CC}" type="presParOf" srcId="{ED8392A6-D046-4A2E-B2D0-7720D0D09C63}" destId="{A150CEAB-71F6-46A4-9D4A-DB389CC54174}" srcOrd="4" destOrd="0" presId="urn:microsoft.com/office/officeart/2005/8/layout/vList5"/>
+    <dgm:cxn modelId="{6D9EF481-FE57-4C4B-97D3-04677286CDAB}" type="presParOf" srcId="{A150CEAB-71F6-46A4-9D4A-DB389CC54174}" destId="{81D44496-CBAE-4BB8-B6C0-9302F1169421}" srcOrd="0" destOrd="0" presId="urn:microsoft.com/office/officeart/2005/8/layout/vList5"/>
+    <dgm:cxn modelId="{3279C45C-A3A9-47B9-B4DF-1C18DA047C74}" type="presParOf" srcId="{A150CEAB-71F6-46A4-9D4A-DB389CC54174}" destId="{90EF9D5C-30B4-4C7D-8F35-E851422FF8A5}" srcOrd="1" destOrd="0" presId="urn:microsoft.com/office/officeart/2005/8/layout/vList5"/>
+  </dgm:cxnLst>
+  <dgm:bg/>
+  <dgm:whole/>
+  <dgm:extLst>
+    <a:ext uri="http://schemas.microsoft.com/office/drawing/2008/diagram">
+      <dsp:dataModelExt xmlns:dsp="http://schemas.microsoft.com/office/drawing/2008/diagram" relId="rId6" minVer="http://schemas.openxmlformats.org/drawingml/2006/diagram"/>
+    </a:ext>
+  </dgm:extLst>
+</dgm:dataModel>
+</file>
+
+<file path=ppt/diagrams/drawing1.xml><?xml version="1.0" encoding="utf-8"?>
+<dsp:drawing xmlns:dgm="http://schemas.openxmlformats.org/drawingml/2006/diagram" xmlns:dsp="http://schemas.microsoft.com/office/drawing/2008/diagram" xmlns:a="http://schemas.openxmlformats.org/drawingml/2006/main">
+  <dsp:spTree>
+    <dsp:nvGrpSpPr>
+      <dsp:cNvPr id="0" name=""/>
+      <dsp:cNvGrpSpPr/>
+    </dsp:nvGrpSpPr>
+    <dsp:grpSpPr/>
+    <dsp:sp modelId="{4E6D8DB4-AC27-48C9-B335-D54D6D35C494}">
+      <dsp:nvSpPr>
+        <dsp:cNvPr id="0" name=""/>
+        <dsp:cNvSpPr/>
+      </dsp:nvSpPr>
+      <dsp:spPr>
+        <a:xfrm rot="5400000">
+          <a:off x="4398645" y="-1659651"/>
+          <a:ext cx="1047750" cy="4632960"/>
+        </a:xfrm>
+        <a:prstGeom prst="round2SameRect">
+          <a:avLst/>
+        </a:prstGeom>
+        <a:solidFill>
+          <a:schemeClr val="accent1">
+            <a:alpha val="90000"/>
+            <a:tint val="40000"/>
+            <a:hueOff val="0"/>
+            <a:satOff val="0"/>
+            <a:lumOff val="0"/>
+            <a:alphaOff val="0"/>
+          </a:schemeClr>
+        </a:solidFill>
+        <a:ln w="25400" cap="flat" cmpd="sng" algn="ctr">
+          <a:solidFill>
+            <a:schemeClr val="accent1">
+              <a:alpha val="90000"/>
+              <a:tint val="40000"/>
+              <a:hueOff val="0"/>
+              <a:satOff val="0"/>
+              <a:lumOff val="0"/>
+              <a:alphaOff val="0"/>
+            </a:schemeClr>
+          </a:solidFill>
+          <a:prstDash val="solid"/>
+        </a:ln>
+        <a:effectLst/>
+      </dsp:spPr>
+      <dsp:style>
+        <a:lnRef idx="2">
+          <a:scrgbClr r="0" g="0" b="0"/>
+        </a:lnRef>
+        <a:fillRef idx="1">
+          <a:scrgbClr r="0" g="0" b="0"/>
+        </a:fillRef>
+        <a:effectRef idx="0">
+          <a:scrgbClr r="0" g="0" b="0"/>
+        </a:effectRef>
+        <a:fontRef idx="minor"/>
+      </dsp:style>
+      <dsp:txBody>
+        <a:bodyPr spcFirstLastPara="0" vert="horz" wrap="square" lIns="72390" tIns="36195" rIns="72390" bIns="36195" numCol="1" spcCol="1270" anchor="ctr" anchorCtr="0">
+          <a:noAutofit/>
+        </a:bodyPr>
+        <a:lstStyle/>
+        <a:p>
+          <a:pPr marL="171450" lvl="1" indent="-171450" algn="l" defTabSz="844550">
+            <a:lnSpc>
+              <a:spcPct val="90000"/>
+            </a:lnSpc>
+            <a:spcBef>
+              <a:spcPct val="0"/>
+            </a:spcBef>
+            <a:spcAft>
+              <a:spcPct val="15000"/>
+            </a:spcAft>
+            <a:buChar char="••"/>
+          </a:pPr>
+          <a:r>
+            <a:rPr lang="en-US" sz="1900" kern="1200" dirty="0" smtClean="0"/>
+            <a:t>The shape of the data on the server</a:t>
+          </a:r>
+          <a:endParaRPr lang="en-US" sz="1900" kern="1200" dirty="0"/>
+        </a:p>
+        <a:p>
+          <a:pPr marL="171450" lvl="1" indent="-171450" algn="l" defTabSz="844550">
+            <a:lnSpc>
+              <a:spcPct val="90000"/>
+            </a:lnSpc>
+            <a:spcBef>
+              <a:spcPct val="0"/>
+            </a:spcBef>
+            <a:spcAft>
+              <a:spcPct val="15000"/>
+            </a:spcAft>
+            <a:buChar char="••"/>
+          </a:pPr>
+          <a:r>
+            <a:rPr lang="en-US" sz="1900" kern="1200" dirty="0" smtClean="0"/>
+            <a:t>Generally domain objects</a:t>
+          </a:r>
+          <a:endParaRPr lang="en-US" sz="1900" kern="1200" dirty="0"/>
+        </a:p>
+      </dsp:txBody>
+      <dsp:txXfrm rot="-5400000">
+        <a:off x="2606041" y="184100"/>
+        <a:ext cx="4581813" cy="945456"/>
+      </dsp:txXfrm>
+    </dsp:sp>
+    <dsp:sp modelId="{21CB7EFC-4436-43A2-B2BE-5CC2B0CDD6AC}">
+      <dsp:nvSpPr>
+        <dsp:cNvPr id="0" name=""/>
+        <dsp:cNvSpPr/>
+      </dsp:nvSpPr>
+      <dsp:spPr>
+        <a:xfrm>
+          <a:off x="0" y="1984"/>
+          <a:ext cx="2606040" cy="1309687"/>
+        </a:xfrm>
+        <a:prstGeom prst="roundRect">
+          <a:avLst/>
+        </a:prstGeom>
+        <a:solidFill>
+          <a:schemeClr val="accent1">
+            <a:hueOff val="0"/>
+            <a:satOff val="0"/>
+            <a:lumOff val="0"/>
+            <a:alphaOff val="0"/>
+          </a:schemeClr>
+        </a:solidFill>
+        <a:ln w="25400" cap="flat" cmpd="sng" algn="ctr">
+          <a:solidFill>
+            <a:schemeClr val="lt1">
+              <a:hueOff val="0"/>
+              <a:satOff val="0"/>
+              <a:lumOff val="0"/>
+              <a:alphaOff val="0"/>
+            </a:schemeClr>
+          </a:solidFill>
+          <a:prstDash val="solid"/>
+        </a:ln>
+        <a:effectLst/>
+      </dsp:spPr>
+      <dsp:style>
+        <a:lnRef idx="2">
+          <a:scrgbClr r="0" g="0" b="0"/>
+        </a:lnRef>
+        <a:fillRef idx="1">
+          <a:scrgbClr r="0" g="0" b="0"/>
+        </a:fillRef>
+        <a:effectRef idx="0">
+          <a:scrgbClr r="0" g="0" b="0"/>
+        </a:effectRef>
+        <a:fontRef idx="minor">
+          <a:schemeClr val="lt1"/>
+        </a:fontRef>
+      </dsp:style>
+      <dsp:txBody>
+        <a:bodyPr spcFirstLastPara="0" vert="horz" wrap="square" lIns="140970" tIns="70485" rIns="140970" bIns="70485" numCol="1" spcCol="1270" anchor="ctr" anchorCtr="0">
+          <a:noAutofit/>
+        </a:bodyPr>
+        <a:lstStyle/>
+        <a:p>
+          <a:pPr lvl="0" algn="ctr" defTabSz="1644650">
+            <a:lnSpc>
+              <a:spcPct val="90000"/>
+            </a:lnSpc>
+            <a:spcBef>
+              <a:spcPct val="0"/>
+            </a:spcBef>
+            <a:spcAft>
+              <a:spcPct val="35000"/>
+            </a:spcAft>
+          </a:pPr>
+          <a:r>
+            <a:rPr lang="en-US" sz="3700" kern="1200" dirty="0" smtClean="0"/>
+            <a:t>Model</a:t>
+          </a:r>
+          <a:endParaRPr lang="en-US" sz="3700" kern="1200" dirty="0"/>
+        </a:p>
+      </dsp:txBody>
+      <dsp:txXfrm>
+        <a:off x="63934" y="65918"/>
+        <a:ext cx="2478172" cy="1181819"/>
+      </dsp:txXfrm>
+    </dsp:sp>
+    <dsp:sp modelId="{0814FA92-AA18-411C-94E5-8357267DEB19}">
+      <dsp:nvSpPr>
+        <dsp:cNvPr id="0" name=""/>
+        <dsp:cNvSpPr/>
+      </dsp:nvSpPr>
+      <dsp:spPr>
+        <a:xfrm rot="5400000">
+          <a:off x="4398645" y="-284480"/>
+          <a:ext cx="1047750" cy="4632960"/>
+        </a:xfrm>
+        <a:prstGeom prst="round2SameRect">
+          <a:avLst/>
+        </a:prstGeom>
+        <a:solidFill>
+          <a:schemeClr val="accent1">
+            <a:alpha val="90000"/>
+            <a:tint val="40000"/>
+            <a:hueOff val="0"/>
+            <a:satOff val="0"/>
+            <a:lumOff val="0"/>
+            <a:alphaOff val="0"/>
+          </a:schemeClr>
+        </a:solidFill>
+        <a:ln w="25400" cap="flat" cmpd="sng" algn="ctr">
+          <a:solidFill>
+            <a:schemeClr val="accent1">
+              <a:alpha val="90000"/>
+              <a:tint val="40000"/>
+              <a:hueOff val="0"/>
+              <a:satOff val="0"/>
+              <a:lumOff val="0"/>
+              <a:alphaOff val="0"/>
+            </a:schemeClr>
+          </a:solidFill>
+          <a:prstDash val="solid"/>
+        </a:ln>
+        <a:effectLst/>
+      </dsp:spPr>
+      <dsp:style>
+        <a:lnRef idx="2">
+          <a:scrgbClr r="0" g="0" b="0"/>
+        </a:lnRef>
+        <a:fillRef idx="1">
+          <a:scrgbClr r="0" g="0" b="0"/>
+        </a:fillRef>
+        <a:effectRef idx="0">
+          <a:scrgbClr r="0" g="0" b="0"/>
+        </a:effectRef>
+        <a:fontRef idx="minor"/>
+      </dsp:style>
+      <dsp:txBody>
+        <a:bodyPr spcFirstLastPara="0" vert="horz" wrap="square" lIns="72390" tIns="36195" rIns="72390" bIns="36195" numCol="1" spcCol="1270" anchor="ctr" anchorCtr="0">
+          <a:noAutofit/>
+        </a:bodyPr>
+        <a:lstStyle/>
+        <a:p>
+          <a:pPr marL="171450" lvl="1" indent="-171450" algn="l" defTabSz="844550">
+            <a:lnSpc>
+              <a:spcPct val="90000"/>
+            </a:lnSpc>
+            <a:spcBef>
+              <a:spcPct val="0"/>
+            </a:spcBef>
+            <a:spcAft>
+              <a:spcPct val="15000"/>
+            </a:spcAft>
+            <a:buChar char="••"/>
+          </a:pPr>
+          <a:r>
+            <a:rPr lang="en-US" sz="1900" kern="1200" dirty="0" smtClean="0"/>
+            <a:t>Defines the user facing part of the application</a:t>
+          </a:r>
+          <a:endParaRPr lang="en-US" sz="1900" kern="1200" dirty="0"/>
+        </a:p>
+        <a:p>
+          <a:pPr marL="171450" lvl="1" indent="-171450" algn="l" defTabSz="844550">
+            <a:lnSpc>
+              <a:spcPct val="90000"/>
+            </a:lnSpc>
+            <a:spcBef>
+              <a:spcPct val="0"/>
+            </a:spcBef>
+            <a:spcAft>
+              <a:spcPct val="15000"/>
+            </a:spcAft>
+            <a:buChar char="••"/>
+          </a:pPr>
+          <a:r>
+            <a:rPr lang="en-US" sz="1900" kern="1200" dirty="0" smtClean="0"/>
+            <a:t>HTML (or jade, MVC, etc.)</a:t>
+          </a:r>
+          <a:endParaRPr lang="en-US" sz="1900" kern="1200" dirty="0"/>
+        </a:p>
+      </dsp:txBody>
+      <dsp:txXfrm rot="-5400000">
+        <a:off x="2606041" y="1559271"/>
+        <a:ext cx="4581813" cy="945456"/>
+      </dsp:txXfrm>
+    </dsp:sp>
+    <dsp:sp modelId="{74E6D9EC-A7F3-4580-A685-E2BD50AB5355}">
+      <dsp:nvSpPr>
+        <dsp:cNvPr id="0" name=""/>
+        <dsp:cNvSpPr/>
+      </dsp:nvSpPr>
+      <dsp:spPr>
+        <a:xfrm>
+          <a:off x="0" y="1377156"/>
+          <a:ext cx="2606040" cy="1309687"/>
+        </a:xfrm>
+        <a:prstGeom prst="roundRect">
+          <a:avLst/>
+        </a:prstGeom>
+        <a:solidFill>
+          <a:schemeClr val="accent1">
+            <a:hueOff val="0"/>
+            <a:satOff val="0"/>
+            <a:lumOff val="0"/>
+            <a:alphaOff val="0"/>
+          </a:schemeClr>
+        </a:solidFill>
+        <a:ln w="25400" cap="flat" cmpd="sng" algn="ctr">
+          <a:solidFill>
+            <a:schemeClr val="lt1">
+              <a:hueOff val="0"/>
+              <a:satOff val="0"/>
+              <a:lumOff val="0"/>
+              <a:alphaOff val="0"/>
+            </a:schemeClr>
+          </a:solidFill>
+          <a:prstDash val="solid"/>
+        </a:ln>
+        <a:effectLst/>
+      </dsp:spPr>
+      <dsp:style>
+        <a:lnRef idx="2">
+          <a:scrgbClr r="0" g="0" b="0"/>
+        </a:lnRef>
+        <a:fillRef idx="1">
+          <a:scrgbClr r="0" g="0" b="0"/>
+        </a:fillRef>
+        <a:effectRef idx="0">
+          <a:scrgbClr r="0" g="0" b="0"/>
+        </a:effectRef>
+        <a:fontRef idx="minor">
+          <a:schemeClr val="lt1"/>
+        </a:fontRef>
+      </dsp:style>
+      <dsp:txBody>
+        <a:bodyPr spcFirstLastPara="0" vert="horz" wrap="square" lIns="140970" tIns="70485" rIns="140970" bIns="70485" numCol="1" spcCol="1270" anchor="ctr" anchorCtr="0">
+          <a:noAutofit/>
+        </a:bodyPr>
+        <a:lstStyle/>
+        <a:p>
+          <a:pPr lvl="0" algn="ctr" defTabSz="1644650">
+            <a:lnSpc>
+              <a:spcPct val="90000"/>
+            </a:lnSpc>
+            <a:spcBef>
+              <a:spcPct val="0"/>
+            </a:spcBef>
+            <a:spcAft>
+              <a:spcPct val="35000"/>
+            </a:spcAft>
+          </a:pPr>
+          <a:r>
+            <a:rPr lang="en-US" sz="3700" kern="1200" dirty="0" smtClean="0"/>
+            <a:t>View</a:t>
+          </a:r>
+          <a:endParaRPr lang="en-US" sz="3700" kern="1200" dirty="0"/>
+        </a:p>
+      </dsp:txBody>
+      <dsp:txXfrm>
+        <a:off x="63934" y="1441090"/>
+        <a:ext cx="2478172" cy="1181819"/>
+      </dsp:txXfrm>
+    </dsp:sp>
+    <dsp:sp modelId="{90EF9D5C-30B4-4C7D-8F35-E851422FF8A5}">
+      <dsp:nvSpPr>
+        <dsp:cNvPr id="0" name=""/>
+        <dsp:cNvSpPr/>
+      </dsp:nvSpPr>
+      <dsp:spPr>
+        <a:xfrm rot="5400000">
+          <a:off x="4398645" y="1090691"/>
+          <a:ext cx="1047750" cy="4632960"/>
+        </a:xfrm>
+        <a:prstGeom prst="round2SameRect">
+          <a:avLst/>
+        </a:prstGeom>
+        <a:solidFill>
+          <a:schemeClr val="accent1">
+            <a:alpha val="90000"/>
+            <a:tint val="40000"/>
+            <a:hueOff val="0"/>
+            <a:satOff val="0"/>
+            <a:lumOff val="0"/>
+            <a:alphaOff val="0"/>
+          </a:schemeClr>
+        </a:solidFill>
+        <a:ln w="25400" cap="flat" cmpd="sng" algn="ctr">
+          <a:solidFill>
+            <a:schemeClr val="accent1">
+              <a:alpha val="90000"/>
+              <a:tint val="40000"/>
+              <a:hueOff val="0"/>
+              <a:satOff val="0"/>
+              <a:lumOff val="0"/>
+              <a:alphaOff val="0"/>
+            </a:schemeClr>
+          </a:solidFill>
+          <a:prstDash val="solid"/>
+        </a:ln>
+        <a:effectLst/>
+      </dsp:spPr>
+      <dsp:style>
+        <a:lnRef idx="2">
+          <a:scrgbClr r="0" g="0" b="0"/>
+        </a:lnRef>
+        <a:fillRef idx="1">
+          <a:scrgbClr r="0" g="0" b="0"/>
+        </a:fillRef>
+        <a:effectRef idx="0">
+          <a:scrgbClr r="0" g="0" b="0"/>
+        </a:effectRef>
+        <a:fontRef idx="minor"/>
+      </dsp:style>
+      <dsp:txBody>
+        <a:bodyPr spcFirstLastPara="0" vert="horz" wrap="square" lIns="72390" tIns="36195" rIns="72390" bIns="36195" numCol="1" spcCol="1270" anchor="ctr" anchorCtr="0">
+          <a:noAutofit/>
+        </a:bodyPr>
+        <a:lstStyle/>
+        <a:p>
+          <a:pPr marL="171450" lvl="1" indent="-171450" algn="l" defTabSz="844550">
+            <a:lnSpc>
+              <a:spcPct val="90000"/>
+            </a:lnSpc>
+            <a:spcBef>
+              <a:spcPct val="0"/>
+            </a:spcBef>
+            <a:spcAft>
+              <a:spcPct val="15000"/>
+            </a:spcAft>
+            <a:buChar char="••"/>
+          </a:pPr>
+          <a:r>
+            <a:rPr lang="en-US" sz="1900" kern="1200" dirty="0" smtClean="0"/>
+            <a:t>Data representation of the UI</a:t>
+          </a:r>
+          <a:endParaRPr lang="en-US" sz="1900" kern="1200" dirty="0"/>
+        </a:p>
+        <a:p>
+          <a:pPr marL="171450" lvl="1" indent="-171450" algn="l" defTabSz="844550">
+            <a:lnSpc>
+              <a:spcPct val="90000"/>
+            </a:lnSpc>
+            <a:spcBef>
+              <a:spcPct val="0"/>
+            </a:spcBef>
+            <a:spcAft>
+              <a:spcPct val="15000"/>
+            </a:spcAft>
+            <a:buChar char="••"/>
+          </a:pPr>
+          <a:r>
+            <a:rPr lang="en-US" sz="1900" kern="1200" dirty="0" smtClean="0"/>
+            <a:t>Container for </a:t>
+          </a:r>
+          <a:r>
+            <a:rPr lang="en-US" sz="1900" b="1" kern="1200" dirty="0" smtClean="0"/>
+            <a:t>all state</a:t>
+          </a:r>
+          <a:r>
+            <a:rPr lang="en-US" sz="1900" kern="1200" dirty="0" smtClean="0"/>
+            <a:t> in the application</a:t>
+          </a:r>
+          <a:endParaRPr lang="en-US" sz="1900" kern="1200" dirty="0"/>
+        </a:p>
+      </dsp:txBody>
+      <dsp:txXfrm rot="-5400000">
+        <a:off x="2606041" y="2934443"/>
+        <a:ext cx="4581813" cy="945456"/>
+      </dsp:txXfrm>
+    </dsp:sp>
+    <dsp:sp modelId="{81D44496-CBAE-4BB8-B6C0-9302F1169421}">
+      <dsp:nvSpPr>
+        <dsp:cNvPr id="0" name=""/>
+        <dsp:cNvSpPr/>
+      </dsp:nvSpPr>
+      <dsp:spPr>
+        <a:xfrm>
+          <a:off x="0" y="2752328"/>
+          <a:ext cx="2606040" cy="1309687"/>
+        </a:xfrm>
+        <a:prstGeom prst="roundRect">
+          <a:avLst/>
+        </a:prstGeom>
+        <a:solidFill>
+          <a:schemeClr val="accent1">
+            <a:hueOff val="0"/>
+            <a:satOff val="0"/>
+            <a:lumOff val="0"/>
+            <a:alphaOff val="0"/>
+          </a:schemeClr>
+        </a:solidFill>
+        <a:ln w="25400" cap="flat" cmpd="sng" algn="ctr">
+          <a:solidFill>
+            <a:schemeClr val="lt1">
+              <a:hueOff val="0"/>
+              <a:satOff val="0"/>
+              <a:lumOff val="0"/>
+              <a:alphaOff val="0"/>
+            </a:schemeClr>
+          </a:solidFill>
+          <a:prstDash val="solid"/>
+        </a:ln>
+        <a:effectLst/>
+      </dsp:spPr>
+      <dsp:style>
+        <a:lnRef idx="2">
+          <a:scrgbClr r="0" g="0" b="0"/>
+        </a:lnRef>
+        <a:fillRef idx="1">
+          <a:scrgbClr r="0" g="0" b="0"/>
+        </a:fillRef>
+        <a:effectRef idx="0">
+          <a:scrgbClr r="0" g="0" b="0"/>
+        </a:effectRef>
+        <a:fontRef idx="minor">
+          <a:schemeClr val="lt1"/>
+        </a:fontRef>
+      </dsp:style>
+      <dsp:txBody>
+        <a:bodyPr spcFirstLastPara="0" vert="horz" wrap="square" lIns="140970" tIns="70485" rIns="140970" bIns="70485" numCol="1" spcCol="1270" anchor="ctr" anchorCtr="0">
+          <a:noAutofit/>
+        </a:bodyPr>
+        <a:lstStyle/>
+        <a:p>
+          <a:pPr lvl="0" algn="ctr" defTabSz="1644650">
+            <a:lnSpc>
+              <a:spcPct val="90000"/>
+            </a:lnSpc>
+            <a:spcBef>
+              <a:spcPct val="0"/>
+            </a:spcBef>
+            <a:spcAft>
+              <a:spcPct val="35000"/>
+            </a:spcAft>
+          </a:pPr>
+          <a:r>
+            <a:rPr lang="en-US" sz="3700" kern="1200" dirty="0" smtClean="0"/>
+            <a:t>View Model</a:t>
+          </a:r>
+          <a:endParaRPr lang="en-US" sz="3700" kern="1200" dirty="0"/>
+        </a:p>
+      </dsp:txBody>
+      <dsp:txXfrm>
+        <a:off x="63934" y="2816262"/>
+        <a:ext cx="2478172" cy="1181819"/>
+      </dsp:txXfrm>
+    </dsp:sp>
+  </dsp:spTree>
+</dsp:drawing>
+</file>
+
+<file path=ppt/diagrams/layout1.xml><?xml version="1.0" encoding="utf-8"?>
+<dgm:layoutDef xmlns:dgm="http://schemas.openxmlformats.org/drawingml/2006/diagram" xmlns:a="http://schemas.openxmlformats.org/drawingml/2006/main" uniqueId="urn:microsoft.com/office/officeart/2005/8/layout/vList5">
+  <dgm:title val=""/>
+  <dgm:desc val=""/>
+  <dgm:catLst>
+    <dgm:cat type="list" pri="15000"/>
+    <dgm:cat type="convert" pri="2000"/>
+  </dgm:catLst>
+  <dgm:sampData>
+    <dgm:dataModel>
+      <dgm:ptLst>
+        <dgm:pt modelId="0" type="doc"/>
+        <dgm:pt modelId="1">
+          <dgm:prSet phldr="1"/>
+        </dgm:pt>
+        <dgm:pt modelId="11">
+          <dgm:prSet phldr="1"/>
+        </dgm:pt>
+        <dgm:pt modelId="12">
+          <dgm:prSet phldr="1"/>
+        </dgm:pt>
+        <dgm:pt modelId="2">
+          <dgm:prSet phldr="1"/>
+        </dgm:pt>
+        <dgm:pt modelId="21">
+          <dgm:prSet phldr="1"/>
+        </dgm:pt>
+        <dgm:pt modelId="22">
+          <dgm:prSet phldr="1"/>
+        </dgm:pt>
+        <dgm:pt modelId="3">
+          <dgm:prSet phldr="1"/>
+        </dgm:pt>
+        <dgm:pt modelId="31">
+          <dgm:prSet phldr="1"/>
+        </dgm:pt>
+        <dgm:pt modelId="32">
+          <dgm:prSet phldr="1"/>
+        </dgm:pt>
+      </dgm:ptLst>
+      <dgm:cxnLst>
+        <dgm:cxn modelId="4" srcId="0" destId="1" srcOrd="0" destOrd="0"/>
+        <dgm:cxn modelId="5" srcId="0" destId="2" srcOrd="1" destOrd="0"/>
+        <dgm:cxn modelId="6" srcId="0" destId="3" srcOrd="2" destOrd="0"/>
+        <dgm:cxn modelId="13" srcId="1" destId="11" srcOrd="0" destOrd="0"/>
+        <dgm:cxn modelId="14" srcId="1" destId="12" srcOrd="1" destOrd="0"/>
+        <dgm:cxn modelId="23" srcId="2" destId="21" srcOrd="0" destOrd="0"/>
+        <dgm:cxn modelId="24" srcId="2" destId="22" srcOrd="1" destOrd="0"/>
+        <dgm:cxn modelId="33" srcId="3" destId="31" srcOrd="0" destOrd="0"/>
+        <dgm:cxn modelId="34" srcId="3" destId="32" srcOrd="1" destOrd="0"/>
+      </dgm:cxnLst>
+      <dgm:bg/>
+      <dgm:whole/>
+    </dgm:dataModel>
+  </dgm:sampData>
+  <dgm:styleData>
+    <dgm:dataModel>
+      <dgm:ptLst>
+        <dgm:pt modelId="0" type="doc"/>
+        <dgm:pt modelId="1"/>
+        <dgm:pt modelId="11"/>
+        <dgm:pt modelId="2"/>
+        <dgm:pt modelId="21"/>
+      </dgm:ptLst>
+      <dgm:cxnLst>
+        <dgm:cxn modelId="4" srcId="0" destId="1" srcOrd="0" destOrd="0"/>
+        <dgm:cxn modelId="5" srcId="0" destId="2" srcOrd="1" destOrd="0"/>
+        <dgm:cxn modelId="13" srcId="1" destId="11" srcOrd="0" destOrd="0"/>
+        <dgm:cxn modelId="23" srcId="2" destId="21" srcOrd="0" destOrd="0"/>
+      </dgm:cxnLst>
+      <dgm:bg/>
+      <dgm:whole/>
+    </dgm:dataModel>
+  </dgm:styleData>
+  <dgm:clrData>
+    <dgm:dataModel>
+      <dgm:ptLst>
+        <dgm:pt modelId="0" type="doc"/>
+        <dgm:pt modelId="1"/>
+        <dgm:pt modelId="11"/>
+        <dgm:pt modelId="2"/>
+        <dgm:pt modelId="21"/>
+        <dgm:pt modelId="3"/>
+        <dgm:pt modelId="31"/>
+        <dgm:pt modelId="4"/>
+        <dgm:pt modelId="41"/>
+      </dgm:ptLst>
+      <dgm:cxnLst>
+        <dgm:cxn modelId="5" srcId="0" destId="1" srcOrd="0" destOrd="0"/>
+        <dgm:cxn modelId="6" srcId="0" destId="2" srcOrd="1" destOrd="0"/>
+        <dgm:cxn modelId="7" srcId="0" destId="3" srcOrd="2" destOrd="0"/>
+        <dgm:cxn modelId="8" srcId="0" destId="4" srcOrd="3" destOrd="0"/>
+        <dgm:cxn modelId="13" srcId="1" destId="11" srcOrd="0" destOrd="0"/>
+        <dgm:cxn modelId="23" srcId="2" destId="21" srcOrd="0" destOrd="0"/>
+        <dgm:cxn modelId="33" srcId="3" destId="31" srcOrd="0" destOrd="0"/>
+        <dgm:cxn modelId="43" srcId="4" destId="41" srcOrd="0" destOrd="0"/>
+      </dgm:cxnLst>
+      <dgm:bg/>
+      <dgm:whole/>
+    </dgm:dataModel>
+  </dgm:clrData>
+  <dgm:layoutNode name="Name0">
+    <dgm:varLst>
+      <dgm:dir/>
+      <dgm:animLvl val="lvl"/>
+      <dgm:resizeHandles val="exact"/>
+    </dgm:varLst>
+    <dgm:choose name="Name1">
+      <dgm:if name="Name2" func="var" arg="dir" op="equ" val="norm">
+        <dgm:alg type="lin">
+          <dgm:param type="linDir" val="fromT"/>
+          <dgm:param type="nodeHorzAlign" val="l"/>
+        </dgm:alg>
+      </dgm:if>
+      <dgm:else name="Name3">
+        <dgm:alg type="lin">
+          <dgm:param type="linDir" val="fromT"/>
+          <dgm:param type="nodeHorzAlign" val="r"/>
+        </dgm:alg>
+      </dgm:else>
+    </dgm:choose>
+    <dgm:shape xmlns:r="http://schemas.openxmlformats.org/officeDocument/2006/relationships" r:blip="">
+      <dgm:adjLst/>
+    </dgm:shape>
+    <dgm:presOf/>
+    <dgm:constrLst>
+      <dgm:constr type="h" for="ch" forName="linNode" refType="h"/>
+      <dgm:constr type="w" for="ch" forName="linNode" refType="w"/>
+      <dgm:constr type="h" for="ch" forName="sp" refType="h" fact="0.05"/>
+      <dgm:constr type="primFontSz" for="des" forName="parentText" op="equ" val="65"/>
+      <dgm:constr type="secFontSz" for="des" forName="descendantText" op="equ"/>
+    </dgm:constrLst>
+    <dgm:ruleLst/>
+    <dgm:forEach name="Name4" axis="ch" ptType="node">
+      <dgm:layoutNode name="linNode">
+        <dgm:choose name="Name5">
+          <dgm:if name="Name6" func="var" arg="dir" op="equ" val="norm">
+            <dgm:alg type="lin">
+              <dgm:param type="linDir" val="fromL"/>
+            </dgm:alg>
+          </dgm:if>
+          <dgm:else name="Name7">
+            <dgm:alg type="lin">
+              <dgm:param type="linDir" val="fromR"/>
+            </dgm:alg>
+          </dgm:else>
+        </dgm:choose>
+        <dgm:shape xmlns:r="http://schemas.openxmlformats.org/officeDocument/2006/relationships" r:blip="">
+          <dgm:adjLst/>
+        </dgm:shape>
+        <dgm:presOf/>
+        <dgm:constrLst>
+          <dgm:constr type="w" for="ch" forName="parentText" refType="w" fact="0.36"/>
+          <dgm:constr type="w" for="ch" forName="descendantText" refType="w" fact="0.64"/>
+          <dgm:constr type="h" for="ch" forName="parentText" refType="h"/>
+          <dgm:constr type="h" for="ch" forName="descendantText" refType="h" refFor="ch" refForName="parentText" fact="0.8"/>
+        </dgm:constrLst>
+        <dgm:ruleLst/>
+        <dgm:layoutNode name="parentText">
+          <dgm:varLst>
+            <dgm:chMax val="1"/>
+            <dgm:bulletEnabled val="1"/>
+          </dgm:varLst>
+          <dgm:alg type="tx"/>
+          <dgm:shape xmlns:r="http://schemas.openxmlformats.org/officeDocument/2006/relationships" type="roundRect" r:blip="" zOrderOff="3">
+            <dgm:adjLst/>
+          </dgm:shape>
+          <dgm:presOf axis="self" ptType="node"/>
+          <dgm:constrLst>
+            <dgm:constr type="tMarg" refType="primFontSz" fact="0.15"/>
+            <dgm:constr type="bMarg" refType="primFontSz" fact="0.15"/>
+            <dgm:constr type="lMarg" refType="primFontSz" fact="0.3"/>
+            <dgm:constr type="rMarg" refType="primFontSz" fact="0.3"/>
+          </dgm:constrLst>
+          <dgm:ruleLst>
+            <dgm:rule type="primFontSz" val="5" fact="NaN" max="NaN"/>
+          </dgm:ruleLst>
+        </dgm:layoutNode>
+        <dgm:choose name="Name8">
+          <dgm:if name="Name9" axis="ch" ptType="node" func="cnt" op="gte" val="1">
+            <dgm:layoutNode name="descendantText" styleLbl="alignAccFollowNode1">
+              <dgm:varLst>
+                <dgm:bulletEnabled val="1"/>
+              </dgm:varLst>
+              <dgm:alg type="tx">
+                <dgm:param type="stBulletLvl" val="1"/>
+                <dgm:param type="txAnchorVertCh" val="mid"/>
+              </dgm:alg>
+              <dgm:choose name="Name10">
+                <dgm:if name="Name11" func="var" arg="dir" op="equ" val="norm">
+                  <dgm:shape xmlns:r="http://schemas.openxmlformats.org/officeDocument/2006/relationships" rot="90" type="round2SameRect" r:blip="">
+                    <dgm:adjLst/>
+                  </dgm:shape>
+                </dgm:if>
+                <dgm:else name="Name12">
+                  <dgm:shape xmlns:r="http://schemas.openxmlformats.org/officeDocument/2006/relationships" rot="-90" type="round2SameRect" r:blip="">
+                    <dgm:adjLst/>
+                  </dgm:shape>
+                </dgm:else>
+              </dgm:choose>
+              <dgm:presOf axis="des" ptType="node"/>
+              <dgm:constrLst>
+                <dgm:constr type="secFontSz" val="65"/>
+                <dgm:constr type="primFontSz" refType="secFontSz"/>
+                <dgm:constr type="lMarg" refType="secFontSz" fact="0.3"/>
+                <dgm:constr type="rMarg" refType="secFontSz" fact="0.3"/>
+                <dgm:constr type="tMarg" refType="secFontSz" fact="0.15"/>
+                <dgm:constr type="bMarg" refType="secFontSz" fact="0.15"/>
+              </dgm:constrLst>
+              <dgm:ruleLst>
+                <dgm:rule type="secFontSz" val="5" fact="NaN" max="NaN"/>
+              </dgm:ruleLst>
+            </dgm:layoutNode>
+          </dgm:if>
+          <dgm:else name="Name13"/>
+        </dgm:choose>
+      </dgm:layoutNode>
+      <dgm:forEach name="Name14" axis="followSib" ptType="sibTrans" cnt="1">
+        <dgm:layoutNode name="sp">
+          <dgm:alg type="sp"/>
+          <dgm:shape xmlns:r="http://schemas.openxmlformats.org/officeDocument/2006/relationships" r:blip="">
+            <dgm:adjLst/>
+          </dgm:shape>
+          <dgm:presOf/>
+          <dgm:constrLst/>
+          <dgm:ruleLst/>
+        </dgm:layoutNode>
+      </dgm:forEach>
+    </dgm:forEach>
+  </dgm:layoutNode>
+</dgm:layoutDef>
+</file>
+
+<file path=ppt/diagrams/quickStyle1.xml><?xml version="1.0" encoding="utf-8"?>
+<dgm:styleDef xmlns:dgm="http://schemas.openxmlformats.org/drawingml/2006/diagram" xmlns:a="http://schemas.openxmlformats.org/drawingml/2006/main" uniqueId="urn:microsoft.com/office/officeart/2005/8/quickstyle/simple1">
+  <dgm:title val=""/>
+  <dgm:desc val=""/>
+  <dgm:catLst>
+    <dgm:cat type="simple" pri="10100"/>
+  </dgm:catLst>
+  <dgm:scene3d>
+    <a:camera prst="orthographicFront"/>
+    <a:lightRig rig="threePt" dir="t"/>
+  </dgm:scene3d>
+  <dgm:styleLbl name="node0">
+    <dgm:scene3d>
+      <a:camera prst="orthographicFront"/>
+      <a:lightRig rig="threePt" dir="t"/>
+    </dgm:scene3d>
+    <dgm:sp3d/>
+    <dgm:txPr/>
+    <dgm:style>
+      <a:lnRef idx="2">
+        <a:scrgbClr r="0" g="0" b="0"/>
+      </a:lnRef>
+      <a:fillRef idx="1">
+        <a:scrgbClr r="0" g="0" b="0"/>
+      </a:fillRef>
+      <a:effectRef idx="0">
+        <a:scrgbClr r="0" g="0" b="0"/>
+      </a:effectRef>
+      <a:fontRef idx="minor">
+        <a:schemeClr val="lt1"/>
+      </a:fontRef>
+    </dgm:style>
+  </dgm:styleLbl>
+  <dgm:styleLbl name="lnNode1">
+    <dgm:scene3d>
+      <a:camera prst="orthographicFront"/>
+      <a:lightRig rig="threePt" dir="t"/>
+    </dgm:scene3d>
+    <dgm:sp3d/>
+    <dgm:txPr/>
+    <dgm:style>
+      <a:lnRef idx="2">
+        <a:scrgbClr r="0" g="0" b="0"/>
+      </a:lnRef>
+      <a:fillRef idx="1">
+        <a:scrgbClr r="0" g="0" b="0"/>
+      </a:fillRef>
+      <a:effectRef idx="0">
+        <a:scrgbClr r="0" g="0" b="0"/>
+      </a:effectRef>
+      <a:fontRef idx="minor">
+        <a:schemeClr val="lt1"/>
+      </a:fontRef>
+    </dgm:style>
+  </dgm:styleLbl>
+  <dgm:styleLbl name="vennNode1">
+    <dgm:scene3d>
+      <a:camera prst="orthographicFront"/>
+      <a:lightRig rig="threePt" dir="t"/>
+    </dgm:scene3d>
+    <dgm:sp3d/>
+    <dgm:txPr/>
+    <dgm:style>
+      <a:lnRef idx="2">
+        <a:scrgbClr r="0" g="0" b="0"/>
+      </a:lnRef>
+      <a:fillRef idx="1">
+        <a:scrgbClr r="0" g="0" b="0"/>
+      </a:fillRef>
+      <a:effectRef idx="0">
+        <a:scrgbClr r="0" g="0" b="0"/>
+      </a:effectRef>
+      <a:fontRef idx="minor">
+        <a:schemeClr val="tx1"/>
+      </a:fontRef>
+    </dgm:style>
+  </dgm:styleLbl>
+  <dgm:styleLbl name="alignNode1">
+    <dgm:scene3d>
+      <a:camera prst="orthographicFront"/>
+      <a:lightRig rig="threePt" dir="t"/>
+    </dgm:scene3d>
+    <dgm:sp3d/>
+    <dgm:txPr/>
+    <dgm:style>
+      <a:lnRef idx="2">
+        <a:scrgbClr r="0" g="0" b="0"/>
+      </a:lnRef>
+      <a:fillRef idx="1">
+        <a:scrgbClr r="0" g="0" b="0"/>
+      </a:fillRef>
+      <a:effectRef idx="0">
+        <a:scrgbClr r="0" g="0" b="0"/>
+      </a:effectRef>
+      <a:fontRef idx="minor">
+        <a:schemeClr val="lt1"/>
+      </a:fontRef>
+    </dgm:style>
+  </dgm:styleLbl>
+  <dgm:styleLbl name="node1">
+    <dgm:scene3d>
+      <a:camera prst="orthographicFront"/>
+      <a:lightRig rig="threePt" dir="t"/>
+    </dgm:scene3d>
+    <dgm:sp3d/>
+    <dgm:txPr/>
+    <dgm:style>
+      <a:lnRef idx="2">
+        <a:scrgbClr r="0" g="0" b="0"/>
+      </a:lnRef>
+      <a:fillRef idx="1">
+        <a:scrgbClr r="0" g="0" b="0"/>
+      </a:fillRef>
+      <a:effectRef idx="0">
+        <a:scrgbClr r="0" g="0" b="0"/>
+      </a:effectRef>
+      <a:fontRef idx="minor">
+        <a:schemeClr val="lt1"/>
+      </a:fontRef>
+    </dgm:style>
+  </dgm:styleLbl>
+  <dgm:styleLbl name="node2">
+    <dgm:scene3d>
+      <a:camera prst="orthographicFront"/>
+      <a:lightRig rig="threePt" dir="t"/>
+    </dgm:scene3d>
+    <dgm:sp3d/>
+    <dgm:txPr/>
+    <dgm:style>
+      <a:lnRef idx="2">
+        <a:scrgbClr r="0" g="0" b="0"/>
+      </a:lnRef>
+      <a:fillRef idx="1">
+        <a:scrgbClr r="0" g="0" b="0"/>
+      </a:fillRef>
+      <a:effectRef idx="0">
+        <a:scrgbClr r="0" g="0" b="0"/>
+      </a:effectRef>
+      <a:fontRef idx="minor">
+        <a:schemeClr val="lt1"/>
+      </a:fontRef>
+    </dgm:style>
+  </dgm:styleLbl>
+  <dgm:styleLbl name="node3">
+    <dgm:scene3d>
+      <a:camera prst="orthographicFront"/>
+      <a:lightRig rig="threePt" dir="t"/>
+    </dgm:scene3d>
+    <dgm:sp3d/>
+    <dgm:txPr/>
+    <dgm:style>
+      <a:lnRef idx="2">
+        <a:scrgbClr r="0" g="0" b="0"/>
+      </a:lnRef>
+      <a:fillRef idx="1">
+        <a:scrgbClr r="0" g="0" b="0"/>
+      </a:fillRef>
+      <a:effectRef idx="0">
+        <a:scrgbClr r="0" g="0" b="0"/>
+      </a:effectRef>
+      <a:fontRef idx="minor">
+        <a:schemeClr val="lt1"/>
+      </a:fontRef>
+    </dgm:style>
+  </dgm:styleLbl>
+  <dgm:styleLbl name="node4">
+    <dgm:scene3d>
+      <a:camera prst="orthographicFront"/>
+      <a:lightRig rig="threePt" dir="t"/>
+    </dgm:scene3d>
+    <dgm:sp3d/>
+    <dgm:txPr/>
+    <dgm:style>
+      <a:lnRef idx="2">
+        <a:scrgbClr r="0" g="0" b="0"/>
+      </a:lnRef>
+      <a:fillRef idx="1">
+        <a:scrgbClr r="0" g="0" b="0"/>
+      </a:fillRef>
+      <a:effectRef idx="0">
+        <a:scrgbClr r="0" g="0" b="0"/>
+      </a:effectRef>
+      <a:fontRef idx="minor">
+        <a:schemeClr val="lt1"/>
+      </a:fontRef>
+    </dgm:style>
+  </dgm:styleLbl>
+  <dgm:styleLbl name="fgImgPlace1">
+    <dgm:scene3d>
+      <a:camera prst="orthographicFront"/>
+      <a:lightRig rig="threePt" dir="t"/>
+    </dgm:scene3d>
+    <dgm:sp3d/>
+    <dgm:txPr/>
+    <dgm:style>
+      <a:lnRef idx="2">
+        <a:scrgbClr r="0" g="0" b="0"/>
+      </a:lnRef>
+      <a:fillRef idx="1">
+        <a:scrgbClr r="0" g="0" b="0"/>
+      </a:fillRef>
+      <a:effectRef idx="0">
+        <a:scrgbClr r="0" g="0" b="0"/>
+      </a:effectRef>
+      <a:fontRef idx="minor"/>
+    </dgm:style>
+  </dgm:styleLbl>
+  <dgm:styleLbl name="alignImgPlace1">
+    <dgm:scene3d>
+      <a:camera prst="orthographicFront"/>
+      <a:lightRig rig="threePt" dir="t"/>
+    </dgm:scene3d>
+    <dgm:sp3d/>
+    <dgm:txPr/>
+    <dgm:style>
+      <a:lnRef idx="2">
+        <a:scrgbClr r="0" g="0" b="0"/>
+      </a:lnRef>
+      <a:fillRef idx="1">
+        <a:scrgbClr r="0" g="0" b="0"/>
+      </a:fillRef>
+      <a:effectRef idx="0">
+        <a:scrgbClr r="0" g="0" b="0"/>
+      </a:effectRef>
+      <a:fontRef idx="minor"/>
+    </dgm:style>
+  </dgm:styleLbl>
+  <dgm:styleLbl name="bgImgPlace1">
+    <dgm:scene3d>
+      <a:camera prst="orthographicFront"/>
+      <a:lightRig rig="threePt" dir="t"/>
+    </dgm:scene3d>
+    <dgm:sp3d/>
+    <dgm:txPr/>
+    <dgm:style>
+      <a:lnRef idx="2">
+        <a:scrgbClr r="0" g="0" b="0"/>
+      </a:lnRef>
+      <a:fillRef idx="1">
+        <a:scrgbClr r="0" g="0" b="0"/>
+      </a:fillRef>
+      <a:effectRef idx="0">
+        <a:scrgbClr r="0" g="0" b="0"/>
+      </a:effectRef>
+      <a:fontRef idx="minor"/>
+    </dgm:style>
+  </dgm:styleLbl>
+  <dgm:styleLbl name="sibTrans2D1">
+    <dgm:scene3d>
+      <a:camera prst="orthographicFront"/>
+      <a:lightRig rig="threePt" dir="t"/>
+    </dgm:scene3d>
+    <dgm:sp3d/>
+    <dgm:txPr/>
+    <dgm:style>
+      <a:lnRef idx="0">
+        <a:scrgbClr r="0" g="0" b="0"/>
+      </a:lnRef>
+      <a:fillRef idx="1">
+        <a:scrgbClr r="0" g="0" b="0"/>
+      </a:fillRef>
+      <a:effectRef idx="0">
+        <a:scrgbClr r="0" g="0" b="0"/>
+      </a:effectRef>
+      <a:fontRef idx="minor">
+        <a:schemeClr val="lt1"/>
+      </a:fontRef>
+    </dgm:style>
+  </dgm:styleLbl>
+  <dgm:styleLbl name="fgSibTrans2D1">
+    <dgm:scene3d>
+      <a:camera prst="orthographicFront"/>
+      <a:lightRig rig="threePt" dir="t"/>
+    </dgm:scene3d>
+    <dgm:sp3d/>
+    <dgm:txPr/>
+    <dgm:style>
+      <a:lnRef idx="0">
+        <a:scrgbClr r="0" g="0" b="0"/>
+      </a:lnRef>
+      <a:fillRef idx="1">
+        <a:scrgbClr r="0" g="0" b="0"/>
+      </a:fillRef>
+      <a:effectRef idx="0">
+        <a:scrgbClr r="0" g="0" b="0"/>
+      </a:effectRef>
+      <a:fontRef idx="minor">
+        <a:schemeClr val="lt1"/>
+      </a:fontRef>
+    </dgm:style>
+  </dgm:styleLbl>
+  <dgm:styleLbl name="bgSibTrans2D1">
+    <dgm:scene3d>
+      <a:camera prst="orthographicFront"/>
+      <a:lightRig rig="threePt" dir="t"/>
+    </dgm:scene3d>
+    <dgm:sp3d/>
+    <dgm:txPr/>
+    <dgm:style>
+      <a:lnRef idx="0">
+        <a:scrgbClr r="0" g="0" b="0"/>
+      </a:lnRef>
+      <a:fillRef idx="1">
+        <a:scrgbClr r="0" g="0" b="0"/>
+      </a:fillRef>
+      <a:effectRef idx="0">
+        <a:scrgbClr r="0" g="0" b="0"/>
+      </a:effectRef>
+      <a:fontRef idx="minor">
+        <a:schemeClr val="lt1"/>
+      </a:fontRef>
+    </dgm:style>
+  </dgm:styleLbl>
+  <dgm:styleLbl name="sibTrans1D1">
+    <dgm:scene3d>
+      <a:camera prst="orthographicFront"/>
+      <a:lightRig rig="threePt" dir="t"/>
+    </dgm:scene3d>
+    <dgm:sp3d/>
+    <dgm:txPr/>
+    <dgm:style>
+      <a:lnRef idx="1">
+        <a:scrgbClr r="0" g="0" b="0"/>
+      </a:lnRef>
+      <a:fillRef idx="0">
+        <a:scrgbClr r="0" g="0" b="0"/>
+      </a:fillRef>
+      <a:effectRef idx="0">
+        <a:scrgbClr r="0" g="0" b="0"/>
+      </a:effectRef>
+      <a:fontRef idx="minor"/>
+    </dgm:style>
+  </dgm:styleLbl>
+  <dgm:styleLbl name="callout">
+    <dgm:scene3d>
+      <a:camera prst="orthographicFront"/>
+      <a:lightRig rig="threePt" dir="t"/>
+    </dgm:scene3d>
+    <dgm:sp3d/>
+    <dgm:txPr/>
+    <dgm:style>
+      <a:lnRef idx="2">
+        <a:scrgbClr r="0" g="0" b="0"/>
+      </a:lnRef>
+      <a:fillRef idx="1">
+        <a:scrgbClr r="0" g="0" b="0"/>
+      </a:fillRef>
+      <a:effectRef idx="0">
+        <a:scrgbClr r="0" g="0" b="0"/>
+      </a:effectRef>
+      <a:fontRef idx="minor"/>
+    </dgm:style>
+  </dgm:styleLbl>
+  <dgm:styleLbl name="asst0">
+    <dgm:scene3d>
+      <a:camera prst="orthographicFront"/>
+      <a:lightRig rig="threePt" dir="t"/>
+    </dgm:scene3d>
+    <dgm:sp3d/>
+    <dgm:txPr/>
+    <dgm:style>
+      <a:lnRef idx="2">
+        <a:scrgbClr r="0" g="0" b="0"/>
+      </a:lnRef>
+      <a:fillRef idx="1">
+        <a:scrgbClr r="0" g="0" b="0"/>
+      </a:fillRef>
+      <a:effectRef idx="0">
+        <a:scrgbClr r="0" g="0" b="0"/>
+      </a:effectRef>
+      <a:fontRef idx="minor">
+        <a:schemeClr val="lt1"/>
+      </a:fontRef>
+    </dgm:style>
+  </dgm:styleLbl>
+  <dgm:styleLbl name="asst1">
+    <dgm:scene3d>
+      <a:camera prst="orthographicFront"/>
+      <a:lightRig rig="threePt" dir="t"/>
+    </dgm:scene3d>
+    <dgm:sp3d/>
+    <dgm:txPr/>
+    <dgm:style>
+      <a:lnRef idx="2">
+        <a:scrgbClr r="0" g="0" b="0"/>
+      </a:lnRef>
+      <a:fillRef idx="1">
+        <a:scrgbClr r="0" g="0" b="0"/>
+      </a:fillRef>
+      <a:effectRef idx="0">
+        <a:scrgbClr r="0" g="0" b="0"/>
+      </a:effectRef>
+      <a:fontRef idx="minor">
+        <a:schemeClr val="lt1"/>
+      </a:fontRef>
+    </dgm:style>
+  </dgm:styleLbl>
+  <dgm:styleLbl name="asst2">
+    <dgm:scene3d>
+      <a:camera prst="orthographicFront"/>
+      <a:lightRig rig="threePt" dir="t"/>
+    </dgm:scene3d>
+    <dgm:sp3d/>
+    <dgm:txPr/>
+    <dgm:style>
+      <a:lnRef idx="2">
+        <a:scrgbClr r="0" g="0" b="0"/>
+      </a:lnRef>
+      <a:fillRef idx="1">
+        <a:scrgbClr r="0" g="0" b="0"/>
+      </a:fillRef>
+      <a:effectRef idx="0">
+        <a:scrgbClr r="0" g="0" b="0"/>
+      </a:effectRef>
+      <a:fontRef idx="minor">
+        <a:schemeClr val="lt1"/>
+      </a:fontRef>
+    </dgm:style>
+  </dgm:styleLbl>
+  <dgm:styleLbl name="asst3">
+    <dgm:scene3d>
+      <a:camera prst="orthographicFront"/>
+      <a:lightRig rig="threePt" dir="t"/>
+    </dgm:scene3d>
+    <dgm:sp3d/>
+    <dgm:txPr/>
+    <dgm:style>
+      <a:lnRef idx="2">
+        <a:scrgbClr r="0" g="0" b="0"/>
+      </a:lnRef>
+      <a:fillRef idx="1">
+        <a:scrgbClr r="0" g="0" b="0"/>
+      </a:fillRef>
+      <a:effectRef idx="0">
+        <a:scrgbClr r="0" g="0" b="0"/>
+      </a:effectRef>
+      <a:fontRef idx="minor">
+        <a:schemeClr val="lt1"/>
+      </a:fontRef>
+    </dgm:style>
+  </dgm:styleLbl>
+  <dgm:styleLbl name="asst4">
+    <dgm:scene3d>
+      <a:camera prst="orthographicFront"/>
+      <a:lightRig rig="threePt" dir="t"/>
+    </dgm:scene3d>
+    <dgm:sp3d/>
+    <dgm:txPr/>
+    <dgm:style>
+      <a:lnRef idx="2">
+        <a:scrgbClr r="0" g="0" b="0"/>
+      </a:lnRef>
+      <a:fillRef idx="1">
+        <a:scrgbClr r="0" g="0" b="0"/>
+      </a:fillRef>
+      <a:effectRef idx="0">
+        <a:scrgbClr r="0" g="0" b="0"/>
+      </a:effectRef>
+      <a:fontRef idx="minor">
+        <a:schemeClr val="lt1"/>
+      </a:fontRef>
+    </dgm:style>
+  </dgm:styleLbl>
+  <dgm:styleLbl name="parChTrans2D1">
+    <dgm:scene3d>
+      <a:camera prst="orthographicFront"/>
+      <a:lightRig rig="threePt" dir="t"/>
+    </dgm:scene3d>
+    <dgm:sp3d/>
+    <dgm:txPr/>
+    <dgm:style>
+      <a:lnRef idx="2">
+        <a:scrgbClr r="0" g="0" b="0"/>
+      </a:lnRef>
+      <a:fillRef idx="1">
+        <a:scrgbClr r="0" g="0" b="0"/>
+      </a:fillRef>
+      <a:effectRef idx="0">
+        <a:scrgbClr r="0" g="0" b="0"/>
+      </a:effectRef>
+      <a:fontRef idx="minor">
+        <a:schemeClr val="lt1"/>
+      </a:fontRef>
+    </dgm:style>
+  </dgm:styleLbl>
+  <dgm:styleLbl name="parChTrans2D2">
+    <dgm:scene3d>
+      <a:camera prst="orthographicFront"/>
+      <a:lightRig rig="threePt" dir="t"/>
+    </dgm:scene3d>
+    <dgm:sp3d/>
+    <dgm:txPr/>
+    <dgm:style>
+      <a:lnRef idx="2">
+        <a:scrgbClr r="0" g="0" b="0"/>
+      </a:lnRef>
+      <a:fillRef idx="1">
+        <a:scrgbClr r="0" g="0" b="0"/>
+      </a:fillRef>
+      <a:effectRef idx="0">
+        <a:scrgbClr r="0" g="0" b="0"/>
+      </a:effectRef>
+      <a:fontRef idx="minor">
+        <a:schemeClr val="lt1"/>
+      </a:fontRef>
+    </dgm:style>
+  </dgm:styleLbl>
+  <dgm:styleLbl name="parChTrans2D3">
+    <dgm:scene3d>
+      <a:camera prst="orthographicFront"/>
+      <a:lightRig rig="threePt" dir="t"/>
+    </dgm:scene3d>
+    <dgm:sp3d/>
+    <dgm:txPr/>
+    <dgm:style>
+      <a:lnRef idx="2">
+        <a:scrgbClr r="0" g="0" b="0"/>
+      </a:lnRef>
+      <a:fillRef idx="1">
+        <a:scrgbClr r="0" g="0" b="0"/>
+      </a:fillRef>
+      <a:effectRef idx="0">
+        <a:scrgbClr r="0" g="0" b="0"/>
+      </a:effectRef>
+      <a:fontRef idx="minor">
+        <a:schemeClr val="lt1"/>
+      </a:fontRef>
+    </dgm:style>
+  </dgm:styleLbl>
+  <dgm:styleLbl name="parChTrans2D4">
+    <dgm:scene3d>
+      <a:camera prst="orthographicFront"/>
+      <a:lightRig rig="threePt" dir="t"/>
+    </dgm:scene3d>
+    <dgm:sp3d/>
+    <dgm:txPr/>
+    <dgm:style>
+      <a:lnRef idx="2">
+        <a:scrgbClr r="0" g="0" b="0"/>
+      </a:lnRef>
+      <a:fillRef idx="1">
+        <a:scrgbClr r="0" g="0" b="0"/>
+      </a:fillRef>
+      <a:effectRef idx="0">
+        <a:scrgbClr r="0" g="0" b="0"/>
+      </a:effectRef>
+      <a:fontRef idx="minor">
+        <a:schemeClr val="lt1"/>
+      </a:fontRef>
+    </dgm:style>
+  </dgm:styleLbl>
+  <dgm:styleLbl name="parChTrans1D1">
+    <dgm:scene3d>
+      <a:camera prst="orthographicFront"/>
+      <a:lightRig rig="threePt" dir="t"/>
+    </dgm:scene3d>
+    <dgm:sp3d/>
+    <dgm:txPr/>
+    <dgm:style>
+      <a:lnRef idx="2">
+        <a:scrgbClr r="0" g="0" b="0"/>
+      </a:lnRef>
+      <a:fillRef idx="0">
+        <a:scrgbClr r="0" g="0" b="0"/>
+      </a:fillRef>
+      <a:effectRef idx="0">
+        <a:scrgbClr r="0" g="0" b="0"/>
+      </a:effectRef>
+      <a:fontRef idx="minor"/>
+    </dgm:style>
+  </dgm:styleLbl>
+  <dgm:styleLbl name="parChTrans1D2">
+    <dgm:scene3d>
+      <a:camera prst="orthographicFront"/>
+      <a:lightRig rig="threePt" dir="t"/>
+    </dgm:scene3d>
+    <dgm:sp3d/>
+    <dgm:txPr/>
+    <dgm:style>
+      <a:lnRef idx="2">
+        <a:scrgbClr r="0" g="0" b="0"/>
+      </a:lnRef>
+      <a:fillRef idx="0">
+        <a:scrgbClr r="0" g="0" b="0"/>
+      </a:fillRef>
+      <a:effectRef idx="0">
+        <a:scrgbClr r="0" g="0" b="0"/>
+      </a:effectRef>
+      <a:fontRef idx="minor"/>
+    </dgm:style>
+  </dgm:styleLbl>
+  <dgm:styleLbl name="parChTrans1D3">
+    <dgm:scene3d>
+      <a:camera prst="orthographicFront"/>
+      <a:lightRig rig="threePt" dir="t"/>
+    </dgm:scene3d>
+    <dgm:sp3d/>
+    <dgm:txPr/>
+    <dgm:style>
+      <a:lnRef idx="2">
+        <a:scrgbClr r="0" g="0" b="0"/>
+      </a:lnRef>
+      <a:fillRef idx="0">
+        <a:scrgbClr r="0" g="0" b="0"/>
+      </a:fillRef>
+      <a:effectRef idx="0">
+        <a:scrgbClr r="0" g="0" b="0"/>
+      </a:effectRef>
+      <a:fontRef idx="minor"/>
+    </dgm:style>
+  </dgm:styleLbl>
+  <dgm:styleLbl name="parChTrans1D4">
+    <dgm:scene3d>
+      <a:camera prst="orthographicFront"/>
+      <a:lightRig rig="threePt" dir="t"/>
+    </dgm:scene3d>
+    <dgm:sp3d/>
+    <dgm:txPr/>
+    <dgm:style>
+      <a:lnRef idx="2">
+        <a:scrgbClr r="0" g="0" b="0"/>
+      </a:lnRef>
+      <a:fillRef idx="0">
+        <a:scrgbClr r="0" g="0" b="0"/>
+      </a:fillRef>
+      <a:effectRef idx="0">
+        <a:scrgbClr r="0" g="0" b="0"/>
+      </a:effectRef>
+      <a:fontRef idx="minor"/>
+    </dgm:style>
+  </dgm:styleLbl>
+  <dgm:styleLbl name="fgAcc1">
+    <dgm:scene3d>
+      <a:camera prst="orthographicFront"/>
+      <a:lightRig rig="threePt" dir="t"/>
+    </dgm:scene3d>
+    <dgm:sp3d/>
+    <dgm:txPr/>
+    <dgm:style>
+      <a:lnRef idx="2">
+        <a:scrgbClr r="0" g="0" b="0"/>
+      </a:lnRef>
+      <a:fillRef idx="1">
+        <a:scrgbClr r="0" g="0" b="0"/>
+      </a:fillRef>
+      <a:effectRef idx="0">
+        <a:scrgbClr r="0" g="0" b="0"/>
+      </a:effectRef>
+      <a:fontRef idx="minor"/>
+    </dgm:style>
+  </dgm:styleLbl>
+  <dgm:styleLbl name="conFgAcc1">
+    <dgm:scene3d>
+      <a:camera prst="orthographicFront"/>
+      <a:lightRig rig="threePt" dir="t"/>
+    </dgm:scene3d>
+    <dgm:sp3d/>
+    <dgm:txPr/>
+    <dgm:style>
+      <a:lnRef idx="2">
+        <a:scrgbClr r="0" g="0" b="0"/>
+      </a:lnRef>
+      <a:fillRef idx="1">
+        <a:scrgbClr r="0" g="0" b="0"/>
+      </a:fillRef>
+      <a:effectRef idx="0">
+        <a:scrgbClr r="0" g="0" b="0"/>
+      </a:effectRef>
+      <a:fontRef idx="minor"/>
+    </dgm:style>
+  </dgm:styleLbl>
+  <dgm:styleLbl name="alignAcc1">
+    <dgm:scene3d>
+      <a:camera prst="orthographicFront"/>
+      <a:lightRig rig="threePt" dir="t"/>
+    </dgm:scene3d>
+    <dgm:sp3d/>
+    <dgm:txPr/>
+    <dgm:style>
+      <a:lnRef idx="2">
+        <a:scrgbClr r="0" g="0" b="0"/>
+      </a:lnRef>
+      <a:fillRef idx="1">
+        <a:scrgbClr r="0" g="0" b="0"/>
+      </a:fillRef>
+      <a:effectRef idx="0">
+        <a:scrgbClr r="0" g="0" b="0"/>
+      </a:effectRef>
+      <a:fontRef idx="minor"/>
+    </dgm:style>
+  </dgm:styleLbl>
+  <dgm:styleLbl name="trAlignAcc1">
+    <dgm:scene3d>
+      <a:camera prst="orthographicFront"/>
+      <a:lightRig rig="threePt" dir="t"/>
+    </dgm:scene3d>
+    <dgm:sp3d/>
+    <dgm:txPr/>
+    <dgm:style>
+      <a:lnRef idx="1">
+        <a:scrgbClr r="0" g="0" b="0"/>
+      </a:lnRef>
+      <a:fillRef idx="1">
+        <a:scrgbClr r="0" g="0" b="0"/>
+      </a:fillRef>
+      <a:effectRef idx="0">
+        <a:scrgbClr r="0" g="0" b="0"/>
+      </a:effectRef>
+      <a:fontRef idx="minor"/>
+    </dgm:style>
+  </dgm:styleLbl>
+  <dgm:styleLbl name="bgAcc1">
+    <dgm:scene3d>
+      <a:camera prst="orthographicFront"/>
+      <a:lightRig rig="threePt" dir="t"/>
+    </dgm:scene3d>
+    <dgm:sp3d/>
+    <dgm:txPr/>
+    <dgm:style>
+      <a:lnRef idx="2">
+        <a:scrgbClr r="0" g="0" b="0"/>
+      </a:lnRef>
+      <a:fillRef idx="1">
+        <a:scrgbClr r="0" g="0" b="0"/>
+      </a:fillRef>
+      <a:effectRef idx="0">
+        <a:scrgbClr r="0" g="0" b="0"/>
+      </a:effectRef>
+      <a:fontRef idx="minor"/>
+    </dgm:style>
+  </dgm:styleLbl>
+  <dgm:styleLbl name="solidFgAcc1">
+    <dgm:scene3d>
+      <a:camera prst="orthographicFront"/>
+      <a:lightRig rig="threePt" dir="t"/>
+    </dgm:scene3d>
+    <dgm:sp3d/>
+    <dgm:txPr/>
+    <dgm:style>
+      <a:lnRef idx="2">
+        <a:scrgbClr r="0" g="0" b="0"/>
+      </a:lnRef>
+      <a:fillRef idx="1">
+        <a:scrgbClr r="0" g="0" b="0"/>
+      </a:fillRef>
+      <a:effectRef idx="0">
+        <a:scrgbClr r="0" g="0" b="0"/>
+      </a:effectRef>
+      <a:fontRef idx="minor"/>
+    </dgm:style>
+  </dgm:styleLbl>
+  <dgm:styleLbl name="solidAlignAcc1">
+    <dgm:scene3d>
+      <a:camera prst="orthographicFront"/>
+      <a:lightRig rig="threePt" dir="t"/>
+    </dgm:scene3d>
+    <dgm:sp3d/>
+    <dgm:txPr/>
+    <dgm:style>
+      <a:lnRef idx="2">
+        <a:scrgbClr r="0" g="0" b="0"/>
+      </a:lnRef>
+      <a:fillRef idx="1">
+        <a:scrgbClr r="0" g="0" b="0"/>
+      </a:fillRef>
+      <a:effectRef idx="0">
+        <a:scrgbClr r="0" g="0" b="0"/>
+      </a:effectRef>
+      <a:fontRef idx="minor"/>
+    </dgm:style>
+  </dgm:styleLbl>
+  <dgm:styleLbl name="solidBgAcc1">
+    <dgm:scene3d>
+      <a:camera prst="orthographicFront"/>
+      <a:lightRig rig="threePt" dir="t"/>
+    </dgm:scene3d>
+    <dgm:sp3d/>
+    <dgm:txPr/>
+    <dgm:style>
+      <a:lnRef idx="2">
+        <a:scrgbClr r="0" g="0" b="0"/>
+      </a:lnRef>
+      <a:fillRef idx="1">
+        <a:scrgbClr r="0" g="0" b="0"/>
+      </a:fillRef>
+      <a:effectRef idx="0">
+        <a:scrgbClr r="0" g="0" b="0"/>
+      </a:effectRef>
+      <a:fontRef idx="minor"/>
+    </dgm:style>
+  </dgm:styleLbl>
+  <dgm:styleLbl name="fgAccFollowNode1">
+    <dgm:scene3d>
+      <a:camera prst="orthographicFront"/>
+      <a:lightRig rig="threePt" dir="t"/>
+    </dgm:scene3d>
+    <dgm:sp3d/>
+    <dgm:txPr/>
+    <dgm:style>
+      <a:lnRef idx="2">
+        <a:scrgbClr r="0" g="0" b="0"/>
+      </a:lnRef>
+      <a:fillRef idx="1">
+        <a:scrgbClr r="0" g="0" b="0"/>
+      </a:fillRef>
+      <a:effectRef idx="0">
+        <a:scrgbClr r="0" g="0" b="0"/>
+      </a:effectRef>
+      <a:fontRef idx="minor"/>
+    </dgm:style>
+  </dgm:styleLbl>
+  <dgm:styleLbl name="alignAccFollowNode1">
+    <dgm:scene3d>
+      <a:camera prst="orthographicFront"/>
+      <a:lightRig rig="threePt" dir="t"/>
+    </dgm:scene3d>
+    <dgm:sp3d/>
+    <dgm:txPr/>
+    <dgm:style>
+      <a:lnRef idx="2">
+        <a:scrgbClr r="0" g="0" b="0"/>
+      </a:lnRef>
+      <a:fillRef idx="1">
+        <a:scrgbClr r="0" g="0" b="0"/>
+      </a:fillRef>
+      <a:effectRef idx="0">
+        <a:scrgbClr r="0" g="0" b="0"/>
+      </a:effectRef>
+      <a:fontRef idx="minor"/>
+    </dgm:style>
+  </dgm:styleLbl>
+  <dgm:styleLbl name="bgAccFollowNode1">
+    <dgm:scene3d>
+      <a:camera prst="orthographicFront"/>
+      <a:lightRig rig="threePt" dir="t"/>
+    </dgm:scene3d>
+    <dgm:sp3d/>
+    <dgm:txPr/>
+    <dgm:style>
+      <a:lnRef idx="2">
+        <a:scrgbClr r="0" g="0" b="0"/>
+      </a:lnRef>
+      <a:fillRef idx="1">
+        <a:scrgbClr r="0" g="0" b="0"/>
+      </a:fillRef>
+      <a:effectRef idx="0">
+        <a:scrgbClr r="0" g="0" b="0"/>
+      </a:effectRef>
+      <a:fontRef idx="minor"/>
+    </dgm:style>
+  </dgm:styleLbl>
+  <dgm:styleLbl name="fgAcc0">
+    <dgm:scene3d>
+      <a:camera prst="orthographicFront"/>
+      <a:lightRig rig="threePt" dir="t"/>
+    </dgm:scene3d>
+    <dgm:sp3d/>
+    <dgm:txPr/>
+    <dgm:style>
+      <a:lnRef idx="2">
+        <a:scrgbClr r="0" g="0" b="0"/>
+      </a:lnRef>
+      <a:fillRef idx="1">
+        <a:scrgbClr r="0" g="0" b="0"/>
+      </a:fillRef>
+      <a:effectRef idx="0">
+        <a:scrgbClr r="0" g="0" b="0"/>
+      </a:effectRef>
+      <a:fontRef idx="minor"/>
+    </dgm:style>
+  </dgm:styleLbl>
+  <dgm:styleLbl name="fgAcc2">
+    <dgm:scene3d>
+      <a:camera prst="orthographicFront"/>
+      <a:lightRig rig="threePt" dir="t"/>
+    </dgm:scene3d>
+    <dgm:sp3d/>
+    <dgm:txPr/>
+    <dgm:style>
+      <a:lnRef idx="2">
+        <a:scrgbClr r="0" g="0" b="0"/>
+      </a:lnRef>
+      <a:fillRef idx="1">
+        <a:scrgbClr r="0" g="0" b="0"/>
+      </a:fillRef>
+      <a:effectRef idx="0">
+        <a:scrgbClr r="0" g="0" b="0"/>
+      </a:effectRef>
+      <a:fontRef idx="minor"/>
+    </dgm:style>
+  </dgm:styleLbl>
+  <dgm:styleLbl name="fgAcc3">
+    <dgm:scene3d>
+      <a:camera prst="orthographicFront"/>
+      <a:lightRig rig="threePt" dir="t"/>
+    </dgm:scene3d>
+    <dgm:sp3d/>
+    <dgm:txPr/>
+    <dgm:style>
+      <a:lnRef idx="2">
+        <a:scrgbClr r="0" g="0" b="0"/>
+      </a:lnRef>
+      <a:fillRef idx="1">
+        <a:scrgbClr r="0" g="0" b="0"/>
+      </a:fillRef>
+      <a:effectRef idx="0">
+        <a:scrgbClr r="0" g="0" b="0"/>
+      </a:effectRef>
+      <a:fontRef idx="minor"/>
+    </dgm:style>
+  </dgm:styleLbl>
+  <dgm:styleLbl name="fgAcc4">
+    <dgm:scene3d>
+      <a:camera prst="orthographicFront"/>
+      <a:lightRig rig="threePt" dir="t"/>
+    </dgm:scene3d>
+    <dgm:sp3d/>
+    <dgm:txPr/>
+    <dgm:style>
+      <a:lnRef idx="2">
+        <a:scrgbClr r="0" g="0" b="0"/>
+      </a:lnRef>
+      <a:fillRef idx="1">
+        <a:scrgbClr r="0" g="0" b="0"/>
+      </a:fillRef>
+      <a:effectRef idx="0">
+        <a:scrgbClr r="0" g="0" b="0"/>
+      </a:effectRef>
+      <a:fontRef idx="minor"/>
+    </dgm:style>
+  </dgm:styleLbl>
+  <dgm:styleLbl name="bgShp">
+    <dgm:scene3d>
+      <a:camera prst="orthographicFront"/>
+      <a:lightRig rig="threePt" dir="t"/>
+    </dgm:scene3d>
+    <dgm:sp3d/>
+    <dgm:txPr/>
+    <dgm:style>
+      <a:lnRef idx="0">
+        <a:scrgbClr r="0" g="0" b="0"/>
+      </a:lnRef>
+      <a:fillRef idx="1">
+        <a:scrgbClr r="0" g="0" b="0"/>
+      </a:fillRef>
+      <a:effectRef idx="0">
+        <a:scrgbClr r="0" g="0" b="0"/>
+      </a:effectRef>
+      <a:fontRef idx="minor"/>
+    </dgm:style>
+  </dgm:styleLbl>
+  <dgm:styleLbl name="dkBgShp">
+    <dgm:scene3d>
+      <a:camera prst="orthographicFront"/>
+      <a:lightRig rig="threePt" dir="t"/>
+    </dgm:scene3d>
+    <dgm:sp3d/>
+    <dgm:txPr/>
+    <dgm:style>
+      <a:lnRef idx="0">
+        <a:scrgbClr r="0" g="0" b="0"/>
+      </a:lnRef>
+      <a:fillRef idx="1">
+        <a:scrgbClr r="0" g="0" b="0"/>
+      </a:fillRef>
+      <a:effectRef idx="0">
+        <a:scrgbClr r="0" g="0" b="0"/>
+      </a:effectRef>
+      <a:fontRef idx="minor"/>
+    </dgm:style>
+  </dgm:styleLbl>
+  <dgm:styleLbl name="trBgShp">
+    <dgm:scene3d>
+      <a:camera prst="orthographicFront"/>
+      <a:lightRig rig="threePt" dir="t"/>
+    </dgm:scene3d>
+    <dgm:sp3d/>
+    <dgm:txPr/>
+    <dgm:style>
+      <a:lnRef idx="0">
+        <a:scrgbClr r="0" g="0" b="0"/>
+      </a:lnRef>
+      <a:fillRef idx="1">
+        <a:scrgbClr r="0" g="0" b="0"/>
+      </a:fillRef>
+      <a:effectRef idx="0">
+        <a:scrgbClr r="0" g="0" b="0"/>
+      </a:effectRef>
+      <a:fontRef idx="minor"/>
+    </dgm:style>
+  </dgm:styleLbl>
+  <dgm:styleLbl name="fgShp">
+    <dgm:scene3d>
+      <a:camera prst="orthographicFront"/>
+      <a:lightRig rig="threePt" dir="t"/>
+    </dgm:scene3d>
+    <dgm:sp3d/>
+    <dgm:txPr/>
+    <dgm:style>
+      <a:lnRef idx="2">
+        <a:scrgbClr r="0" g="0" b="0"/>
+      </a:lnRef>
+      <a:fillRef idx="1">
+        <a:scrgbClr r="0" g="0" b="0"/>
+      </a:fillRef>
+      <a:effectRef idx="0">
+        <a:scrgbClr r="0" g="0" b="0"/>
+      </a:effectRef>
+      <a:fontRef idx="minor"/>
+    </dgm:style>
+  </dgm:styleLbl>
+  <dgm:styleLbl name="revTx">
+    <dgm:scene3d>
+      <a:camera prst="orthographicFront"/>
+      <a:lightRig rig="threePt" dir="t"/>
+    </dgm:scene3d>
+    <dgm:sp3d/>
+    <dgm:txPr/>
+    <dgm:style>
+      <a:lnRef idx="0">
+        <a:scrgbClr r="0" g="0" b="0"/>
+      </a:lnRef>
+      <a:fillRef idx="0">
+        <a:scrgbClr r="0" g="0" b="0"/>
+      </a:fillRef>
+      <a:effectRef idx="0">
+        <a:scrgbClr r="0" g="0" b="0"/>
+      </a:effectRef>
+      <a:fontRef idx="minor"/>
+    </dgm:style>
+  </dgm:styleLbl>
+</dgm:styleDef>
 </file>
 
 <file path=ppt/slideLayouts/slideLayout1.xml><?xml version="1.0" encoding="utf-8"?>
@@ -3229,7 +6293,7 @@
         <p:spPr bwMode="auto">
           <a:xfrm>
             <a:off x="533400" y="2438400"/>
-            <a:ext cx="2829791" cy="3276600"/>
+            <a:ext cx="2590799" cy="2999872"/>
           </a:xfrm>
           <a:prstGeom prst="rect">
             <a:avLst/>
@@ -3291,7 +6355,17 @@
           <a:bodyPr/>
           <a:lstStyle/>
           <a:p>
-            <a:endParaRPr lang="en-US"/>
+            <a:r>
+              <a:rPr lang="en-US" dirty="0" smtClean="0">
+                <a:latin typeface="Arial" pitchFamily="34" charset="0"/>
+                <a:cs typeface="Arial" pitchFamily="34" charset="0"/>
+              </a:rPr>
+              <a:t>What is knockout</a:t>
+            </a:r>
+            <a:endParaRPr lang="en-US" dirty="0">
+              <a:latin typeface="Arial" pitchFamily="34" charset="0"/>
+              <a:cs typeface="Arial" pitchFamily="34" charset="0"/>
+            </a:endParaRPr>
           </a:p>
         </p:txBody>
       </p:sp>
@@ -3310,7 +6384,36 @@
           <a:bodyPr/>
           <a:lstStyle/>
           <a:p>
-            <a:endParaRPr lang="en-US"/>
+            <a:r>
+              <a:rPr lang="en-US" dirty="0" smtClean="0"/>
+              <a:t>JavaScript library that provides a framework for rich data binding</a:t>
+            </a:r>
+          </a:p>
+          <a:p>
+            <a:endParaRPr lang="en-US" dirty="0"/>
+          </a:p>
+          <a:p>
+            <a:r>
+              <a:rPr lang="en-US" dirty="0" smtClean="0"/>
+              <a:t>Focuses on the client side of an application</a:t>
+            </a:r>
+          </a:p>
+          <a:p>
+            <a:endParaRPr lang="en-US" dirty="0"/>
+          </a:p>
+          <a:p>
+            <a:r>
+              <a:rPr lang="en-US" dirty="0" smtClean="0"/>
+              <a:t>Fits </a:t>
+            </a:r>
+            <a:r>
+              <a:rPr lang="en-US" dirty="0" smtClean="0"/>
+              <a:t>best with applications that use the </a:t>
+            </a:r>
+            <a:r>
+              <a:rPr lang="en-US" dirty="0" smtClean="0"/>
+              <a:t>MVVM pattern</a:t>
+            </a:r>
           </a:p>
         </p:txBody>
       </p:sp>
@@ -3318,6 +6421,170 @@
     <p:extLst>
       <p:ext uri="{BB962C8B-B14F-4D97-AF65-F5344CB8AC3E}">
         <p14:creationId xmlns:p14="http://schemas.microsoft.com/office/powerpoint/2010/main" val="134646543"/>
+      </p:ext>
+    </p:extLst>
+  </p:cSld>
+  <p:clrMapOvr>
+    <a:masterClrMapping/>
+  </p:clrMapOvr>
+</p:sld>
+</file>
+
+<file path=ppt/slides/slide3.xml><?xml version="1.0" encoding="utf-8"?>
+<p:sld xmlns:a="http://schemas.openxmlformats.org/drawingml/2006/main" xmlns:r="http://schemas.openxmlformats.org/officeDocument/2006/relationships" xmlns:p="http://schemas.openxmlformats.org/presentationml/2006/main">
+  <p:cSld>
+    <p:spTree>
+      <p:nvGrpSpPr>
+        <p:cNvPr id="1" name=""/>
+        <p:cNvGrpSpPr/>
+        <p:nvPr/>
+      </p:nvGrpSpPr>
+      <p:grpSpPr>
+        <a:xfrm>
+          <a:off x="0" y="0"/>
+          <a:ext cx="0" cy="0"/>
+          <a:chOff x="0" y="0"/>
+          <a:chExt cx="0" cy="0"/>
+        </a:xfrm>
+      </p:grpSpPr>
+      <p:sp>
+        <p:nvSpPr>
+          <p:cNvPr id="2" name="Title 1"/>
+          <p:cNvSpPr>
+            <a:spLocks noGrp="1"/>
+          </p:cNvSpPr>
+          <p:nvPr>
+            <p:ph type="title"/>
+          </p:nvPr>
+        </p:nvSpPr>
+        <p:spPr/>
+        <p:txBody>
+          <a:bodyPr/>
+          <a:lstStyle/>
+          <a:p>
+            <a:r>
+              <a:rPr lang="en-US" dirty="0" smtClean="0"/>
+              <a:t>What it isn’t</a:t>
+            </a:r>
+            <a:endParaRPr lang="en-US" dirty="0"/>
+          </a:p>
+        </p:txBody>
+      </p:sp>
+      <p:sp>
+        <p:nvSpPr>
+          <p:cNvPr id="3" name="Content Placeholder 2"/>
+          <p:cNvSpPr>
+            <a:spLocks noGrp="1"/>
+          </p:cNvSpPr>
+          <p:nvPr>
+            <p:ph idx="1"/>
+          </p:nvPr>
+        </p:nvSpPr>
+        <p:spPr/>
+        <p:txBody>
+          <a:bodyPr/>
+          <a:lstStyle/>
+          <a:p>
+            <a:r>
+              <a:rPr lang="en-US" dirty="0" smtClean="0"/>
+              <a:t>UI library</a:t>
+            </a:r>
+          </a:p>
+          <a:p>
+            <a:endParaRPr lang="en-US" dirty="0"/>
+          </a:p>
+          <a:p>
+            <a:r>
+              <a:rPr lang="en-US" dirty="0" smtClean="0"/>
+              <a:t>Collection of utilities</a:t>
+            </a:r>
+          </a:p>
+          <a:p>
+            <a:endParaRPr lang="en-US" dirty="0"/>
+          </a:p>
+          <a:p>
+            <a:endParaRPr lang="en-US" dirty="0" smtClean="0"/>
+          </a:p>
+          <a:p>
+            <a:endParaRPr lang="en-US" dirty="0"/>
+          </a:p>
+        </p:txBody>
+      </p:sp>
+    </p:spTree>
+    <p:extLst>
+      <p:ext uri="{BB962C8B-B14F-4D97-AF65-F5344CB8AC3E}">
+        <p14:creationId xmlns:p14="http://schemas.microsoft.com/office/powerpoint/2010/main" val="3547869818"/>
+      </p:ext>
+    </p:extLst>
+  </p:cSld>
+  <p:clrMapOvr>
+    <a:masterClrMapping/>
+  </p:clrMapOvr>
+</p:sld>
+</file>
+
+<file path=ppt/slides/slide4.xml><?xml version="1.0" encoding="utf-8"?>
+<p:sld xmlns:a="http://schemas.openxmlformats.org/drawingml/2006/main" xmlns:r="http://schemas.openxmlformats.org/officeDocument/2006/relationships" xmlns:p="http://schemas.openxmlformats.org/presentationml/2006/main">
+  <p:cSld>
+    <p:spTree>
+      <p:nvGrpSpPr>
+        <p:cNvPr id="1" name=""/>
+        <p:cNvGrpSpPr/>
+        <p:nvPr/>
+      </p:nvGrpSpPr>
+      <p:grpSpPr>
+        <a:xfrm>
+          <a:off x="0" y="0"/>
+          <a:ext cx="0" cy="0"/>
+          <a:chOff x="0" y="0"/>
+          <a:chExt cx="0" cy="0"/>
+        </a:xfrm>
+      </p:grpSpPr>
+      <p:sp>
+        <p:nvSpPr>
+          <p:cNvPr id="2" name="Title 1"/>
+          <p:cNvSpPr>
+            <a:spLocks noGrp="1"/>
+          </p:cNvSpPr>
+          <p:nvPr>
+            <p:ph type="title"/>
+          </p:nvPr>
+        </p:nvSpPr>
+        <p:spPr/>
+        <p:txBody>
+          <a:bodyPr/>
+          <a:lstStyle/>
+          <a:p>
+            <a:endParaRPr lang="en-US"/>
+          </a:p>
+        </p:txBody>
+      </p:sp>
+      <p:graphicFrame>
+        <p:nvGraphicFramePr>
+          <p:cNvPr id="4" name="Diagram 3"/>
+          <p:cNvGraphicFramePr/>
+          <p:nvPr>
+            <p:extLst>
+              <p:ext uri="{D42A27DB-BD31-4B8C-83A1-F6EECF244321}">
+                <p14:modId xmlns:p14="http://schemas.microsoft.com/office/powerpoint/2010/main" val="1477581707"/>
+              </p:ext>
+            </p:extLst>
+          </p:nvPr>
+        </p:nvGraphicFramePr>
+        <p:xfrm>
+          <a:off x="1143000" y="1828800"/>
+          <a:ext cx="7239000" cy="4064000"/>
+        </p:xfrm>
+        <a:graphic>
+          <a:graphicData uri="http://schemas.openxmlformats.org/drawingml/2006/diagram">
+            <dgm:relIds xmlns:dgm="http://schemas.openxmlformats.org/drawingml/2006/diagram" xmlns:r="http://schemas.openxmlformats.org/officeDocument/2006/relationships" r:dm="rId2" r:lo="rId3" r:qs="rId4" r:cs="rId5"/>
+          </a:graphicData>
+        </a:graphic>
+      </p:graphicFrame>
+    </p:spTree>
+    <p:extLst>
+      <p:ext uri="{BB962C8B-B14F-4D97-AF65-F5344CB8AC3E}">
+        <p14:creationId xmlns:p14="http://schemas.microsoft.com/office/powerpoint/2010/main" val="4055032837"/>
       </p:ext>
     </p:extLst>
   </p:cSld>
